--- a/2015-2016/clases/informatica_aplicada/clase_9/clase_9.pptx
+++ b/2015-2016/clases/informatica_aplicada/clase_9/clase_9.pptx
@@ -1,20 +1,127 @@
 
 <file path=ppt/presentation.xml><?xml version="1.0" encoding="utf-8"?>
-<p:presentation xmlns:a="http://schemas.openxmlformats.org/drawingml/2006/main" xmlns:p="http://schemas.openxmlformats.org/presentationml/2006/main" xmlns:r="http://schemas.openxmlformats.org/officeDocument/2006/relationships">
+<p:presentation xmlns:a="http://schemas.openxmlformats.org/drawingml/2006/main" xmlns:r="http://schemas.openxmlformats.org/officeDocument/2006/relationships" xmlns:p="http://schemas.openxmlformats.org/presentationml/2006/main">
   <p:sldMasterIdLst>
-    <p:sldMasterId id="2147483648" r:id="rId2"/>
-    <p:sldMasterId id="2147483661" r:id="rId3"/>
+    <p:sldMasterId id="2147483648" r:id="rId1"/>
+    <p:sldMasterId id="2147483661" r:id="rId2"/>
   </p:sldMasterIdLst>
   <p:sldIdLst>
-    <p:sldId id="256" r:id="rId4"/>
+    <p:sldId id="256" r:id="rId3"/>
+    <p:sldId id="257" r:id="rId4"/>
+    <p:sldId id="258" r:id="rId5"/>
+    <p:sldId id="259" r:id="rId6"/>
+    <p:sldId id="260" r:id="rId7"/>
+    <p:sldId id="261" r:id="rId8"/>
+    <p:sldId id="262" r:id="rId9"/>
+    <p:sldId id="263" r:id="rId10"/>
+    <p:sldId id="264" r:id="rId11"/>
+    <p:sldId id="265" r:id="rId12"/>
+    <p:sldId id="266" r:id="rId13"/>
+    <p:sldId id="267" r:id="rId14"/>
+    <p:sldId id="268" r:id="rId15"/>
   </p:sldIdLst>
-  <p:sldSz cx="9144000" cy="6858000"/>
-  <p:notesSz cx="7559675" cy="10691812"/>
+  <p:sldSz cx="9144000" cy="6858000" type="screen4x3"/>
+  <p:notesSz cx="7559675" cy="10691813"/>
+  <p:defaultTextStyle>
+    <a:defPPr>
+      <a:defRPr lang="es-ES"/>
+    </a:defPPr>
+    <a:lvl1pPr marL="0" algn="l" defTabSz="914400" rtl="0" eaLnBrk="1" latinLnBrk="0" hangingPunct="1">
+      <a:defRPr sz="1800" kern="1200">
+        <a:solidFill>
+          <a:schemeClr val="tx1"/>
+        </a:solidFill>
+        <a:latin typeface="+mn-lt"/>
+        <a:ea typeface="+mn-ea"/>
+        <a:cs typeface="+mn-cs"/>
+      </a:defRPr>
+    </a:lvl1pPr>
+    <a:lvl2pPr marL="457200" algn="l" defTabSz="914400" rtl="0" eaLnBrk="1" latinLnBrk="0" hangingPunct="1">
+      <a:defRPr sz="1800" kern="1200">
+        <a:solidFill>
+          <a:schemeClr val="tx1"/>
+        </a:solidFill>
+        <a:latin typeface="+mn-lt"/>
+        <a:ea typeface="+mn-ea"/>
+        <a:cs typeface="+mn-cs"/>
+      </a:defRPr>
+    </a:lvl2pPr>
+    <a:lvl3pPr marL="914400" algn="l" defTabSz="914400" rtl="0" eaLnBrk="1" latinLnBrk="0" hangingPunct="1">
+      <a:defRPr sz="1800" kern="1200">
+        <a:solidFill>
+          <a:schemeClr val="tx1"/>
+        </a:solidFill>
+        <a:latin typeface="+mn-lt"/>
+        <a:ea typeface="+mn-ea"/>
+        <a:cs typeface="+mn-cs"/>
+      </a:defRPr>
+    </a:lvl3pPr>
+    <a:lvl4pPr marL="1371600" algn="l" defTabSz="914400" rtl="0" eaLnBrk="1" latinLnBrk="0" hangingPunct="1">
+      <a:defRPr sz="1800" kern="1200">
+        <a:solidFill>
+          <a:schemeClr val="tx1"/>
+        </a:solidFill>
+        <a:latin typeface="+mn-lt"/>
+        <a:ea typeface="+mn-ea"/>
+        <a:cs typeface="+mn-cs"/>
+      </a:defRPr>
+    </a:lvl4pPr>
+    <a:lvl5pPr marL="1828800" algn="l" defTabSz="914400" rtl="0" eaLnBrk="1" latinLnBrk="0" hangingPunct="1">
+      <a:defRPr sz="1800" kern="1200">
+        <a:solidFill>
+          <a:schemeClr val="tx1"/>
+        </a:solidFill>
+        <a:latin typeface="+mn-lt"/>
+        <a:ea typeface="+mn-ea"/>
+        <a:cs typeface="+mn-cs"/>
+      </a:defRPr>
+    </a:lvl5pPr>
+    <a:lvl6pPr marL="2286000" algn="l" defTabSz="914400" rtl="0" eaLnBrk="1" latinLnBrk="0" hangingPunct="1">
+      <a:defRPr sz="1800" kern="1200">
+        <a:solidFill>
+          <a:schemeClr val="tx1"/>
+        </a:solidFill>
+        <a:latin typeface="+mn-lt"/>
+        <a:ea typeface="+mn-ea"/>
+        <a:cs typeface="+mn-cs"/>
+      </a:defRPr>
+    </a:lvl6pPr>
+    <a:lvl7pPr marL="2743200" algn="l" defTabSz="914400" rtl="0" eaLnBrk="1" latinLnBrk="0" hangingPunct="1">
+      <a:defRPr sz="1800" kern="1200">
+        <a:solidFill>
+          <a:schemeClr val="tx1"/>
+        </a:solidFill>
+        <a:latin typeface="+mn-lt"/>
+        <a:ea typeface="+mn-ea"/>
+        <a:cs typeface="+mn-cs"/>
+      </a:defRPr>
+    </a:lvl7pPr>
+    <a:lvl8pPr marL="3200400" algn="l" defTabSz="914400" rtl="0" eaLnBrk="1" latinLnBrk="0" hangingPunct="1">
+      <a:defRPr sz="1800" kern="1200">
+        <a:solidFill>
+          <a:schemeClr val="tx1"/>
+        </a:solidFill>
+        <a:latin typeface="+mn-lt"/>
+        <a:ea typeface="+mn-ea"/>
+        <a:cs typeface="+mn-cs"/>
+      </a:defRPr>
+    </a:lvl8pPr>
+    <a:lvl9pPr marL="3657600" algn="l" defTabSz="914400" rtl="0" eaLnBrk="1" latinLnBrk="0" hangingPunct="1">
+      <a:defRPr sz="1800" kern="1200">
+        <a:solidFill>
+          <a:schemeClr val="tx1"/>
+        </a:solidFill>
+        <a:latin typeface="+mn-lt"/>
+        <a:ea typeface="+mn-ea"/>
+        <a:cs typeface="+mn-cs"/>
+      </a:defRPr>
+    </a:lvl9pPr>
+  </p:defaultTextStyle>
 </p:presentation>
 </file>
 
 <file path=ppt/slideLayouts/slideLayout1.xml><?xml version="1.0" encoding="utf-8"?>
-<p:sldLayout xmlns:a="http://schemas.openxmlformats.org/drawingml/2006/main" xmlns:p="http://schemas.openxmlformats.org/presentationml/2006/main" xmlns:r="http://schemas.openxmlformats.org/officeDocument/2006/relationships" type="blank" preserve="1">
+<p:sldLayout xmlns:a="http://schemas.openxmlformats.org/drawingml/2006/main" xmlns:r="http://schemas.openxmlformats.org/officeDocument/2006/relationships" xmlns:p="http://schemas.openxmlformats.org/presentationml/2006/main" type="blank" preserve="1">
   <p:cSld name="Blank Slide">
     <p:spTree>
       <p:nvGrpSpPr>
@@ -32,11 +139,14 @@
       </p:grpSpPr>
     </p:spTree>
   </p:cSld>
+  <p:clrMapOvr>
+    <a:masterClrMapping/>
+  </p:clrMapOvr>
 </p:sldLayout>
 </file>
 
 <file path=ppt/slideLayouts/slideLayout10.xml><?xml version="1.0" encoding="utf-8"?>
-<p:sldLayout xmlns:a="http://schemas.openxmlformats.org/drawingml/2006/main" xmlns:p="http://schemas.openxmlformats.org/presentationml/2006/main" xmlns:r="http://schemas.openxmlformats.org/officeDocument/2006/relationships" type="objOverTx" preserve="1">
+<p:sldLayout xmlns:a="http://schemas.openxmlformats.org/drawingml/2006/main" xmlns:r="http://schemas.openxmlformats.org/officeDocument/2006/relationships" xmlns:p="http://schemas.openxmlformats.org/presentationml/2006/main" type="objOverTx" preserve="1">
   <p:cSld name="Title, Content over Content">
     <p:spTree>
       <p:nvGrpSpPr>
@@ -72,7 +182,8 @@
           </a:prstGeom>
         </p:spPr>
         <p:txBody>
-          <a:bodyPr lIns="0" rIns="0" tIns="0" bIns="0" anchor="ctr"/>
+          <a:bodyPr lIns="0" tIns="0" rIns="0" bIns="0" anchor="ctr"/>
+          <a:lstStyle/>
           <a:p>
             <a:pPr algn="ctr"/>
             <a:endParaRPr/>
@@ -99,7 +210,8 @@
           </a:prstGeom>
         </p:spPr>
         <p:txBody>
-          <a:bodyPr lIns="0" rIns="0" tIns="0" bIns="0"/>
+          <a:bodyPr lIns="0" tIns="0" rIns="0" bIns="0"/>
+          <a:lstStyle/>
           <a:p>
             <a:endParaRPr/>
           </a:p>
@@ -125,7 +237,8 @@
           </a:prstGeom>
         </p:spPr>
         <p:txBody>
-          <a:bodyPr lIns="0" rIns="0" tIns="0" bIns="0"/>
+          <a:bodyPr lIns="0" tIns="0" rIns="0" bIns="0"/>
+          <a:lstStyle/>
           <a:p>
             <a:endParaRPr/>
           </a:p>
@@ -133,11 +246,14 @@
       </p:sp>
     </p:spTree>
   </p:cSld>
+  <p:clrMapOvr>
+    <a:masterClrMapping/>
+  </p:clrMapOvr>
 </p:sldLayout>
 </file>
 
 <file path=ppt/slideLayouts/slideLayout11.xml><?xml version="1.0" encoding="utf-8"?>
-<p:sldLayout xmlns:a="http://schemas.openxmlformats.org/drawingml/2006/main" xmlns:p="http://schemas.openxmlformats.org/presentationml/2006/main" xmlns:r="http://schemas.openxmlformats.org/officeDocument/2006/relationships" type="fourObj" preserve="1">
+<p:sldLayout xmlns:a="http://schemas.openxmlformats.org/drawingml/2006/main" xmlns:r="http://schemas.openxmlformats.org/officeDocument/2006/relationships" xmlns:p="http://schemas.openxmlformats.org/presentationml/2006/main" type="fourObj" preserve="1">
   <p:cSld name="Title, 4 Content">
     <p:spTree>
       <p:nvGrpSpPr>
@@ -173,7 +289,8 @@
           </a:prstGeom>
         </p:spPr>
         <p:txBody>
-          <a:bodyPr lIns="0" rIns="0" tIns="0" bIns="0" anchor="ctr"/>
+          <a:bodyPr lIns="0" tIns="0" rIns="0" bIns="0" anchor="ctr"/>
+          <a:lstStyle/>
           <a:p>
             <a:pPr algn="ctr"/>
             <a:endParaRPr/>
@@ -200,7 +317,8 @@
           </a:prstGeom>
         </p:spPr>
         <p:txBody>
-          <a:bodyPr lIns="0" rIns="0" tIns="0" bIns="0"/>
+          <a:bodyPr lIns="0" tIns="0" rIns="0" bIns="0"/>
+          <a:lstStyle/>
           <a:p>
             <a:endParaRPr/>
           </a:p>
@@ -226,7 +344,8 @@
           </a:prstGeom>
         </p:spPr>
         <p:txBody>
-          <a:bodyPr lIns="0" rIns="0" tIns="0" bIns="0"/>
+          <a:bodyPr lIns="0" tIns="0" rIns="0" bIns="0"/>
+          <a:lstStyle/>
           <a:p>
             <a:endParaRPr/>
           </a:p>
@@ -252,7 +371,8 @@
           </a:prstGeom>
         </p:spPr>
         <p:txBody>
-          <a:bodyPr lIns="0" rIns="0" tIns="0" bIns="0"/>
+          <a:bodyPr lIns="0" tIns="0" rIns="0" bIns="0"/>
+          <a:lstStyle/>
           <a:p>
             <a:endParaRPr/>
           </a:p>
@@ -278,7 +398,8 @@
           </a:prstGeom>
         </p:spPr>
         <p:txBody>
-          <a:bodyPr lIns="0" rIns="0" tIns="0" bIns="0"/>
+          <a:bodyPr lIns="0" tIns="0" rIns="0" bIns="0"/>
+          <a:lstStyle/>
           <a:p>
             <a:endParaRPr/>
           </a:p>
@@ -286,11 +407,14 @@
       </p:sp>
     </p:spTree>
   </p:cSld>
+  <p:clrMapOvr>
+    <a:masterClrMapping/>
+  </p:clrMapOvr>
 </p:sldLayout>
 </file>
 
 <file path=ppt/slideLayouts/slideLayout12.xml><?xml version="1.0" encoding="utf-8"?>
-<p:sldLayout xmlns:a="http://schemas.openxmlformats.org/drawingml/2006/main" xmlns:p="http://schemas.openxmlformats.org/presentationml/2006/main" xmlns:r="http://schemas.openxmlformats.org/officeDocument/2006/relationships" type="blank" preserve="1">
+<p:sldLayout xmlns:a="http://schemas.openxmlformats.org/drawingml/2006/main" xmlns:r="http://schemas.openxmlformats.org/officeDocument/2006/relationships" xmlns:p="http://schemas.openxmlformats.org/presentationml/2006/main" type="blank" preserve="1">
   <p:cSld name="Title, 6 Content">
     <p:spTree>
       <p:nvGrpSpPr>
@@ -326,7 +450,8 @@
           </a:prstGeom>
         </p:spPr>
         <p:txBody>
-          <a:bodyPr lIns="0" rIns="0" tIns="0" bIns="0" anchor="ctr"/>
+          <a:bodyPr lIns="0" tIns="0" rIns="0" bIns="0" anchor="ctr"/>
+          <a:lstStyle/>
           <a:p>
             <a:pPr algn="ctr"/>
             <a:endParaRPr/>
@@ -353,7 +478,8 @@
           </a:prstGeom>
         </p:spPr>
         <p:txBody>
-          <a:bodyPr lIns="0" rIns="0" tIns="0" bIns="0"/>
+          <a:bodyPr lIns="0" tIns="0" rIns="0" bIns="0"/>
+          <a:lstStyle/>
           <a:p>
             <a:endParaRPr/>
           </a:p>
@@ -379,7 +505,8 @@
           </a:prstGeom>
         </p:spPr>
         <p:txBody>
-          <a:bodyPr lIns="0" rIns="0" tIns="0" bIns="0"/>
+          <a:bodyPr lIns="0" tIns="0" rIns="0" bIns="0"/>
+          <a:lstStyle/>
           <a:p>
             <a:endParaRPr/>
           </a:p>
@@ -387,7 +514,7 @@
       </p:sp>
       <p:pic>
         <p:nvPicPr>
-          <p:cNvPr id="35" name="" descr=""/>
+          <p:cNvPr id="35" name="34 Imagen"/>
           <p:cNvPicPr/>
           <p:nvPr/>
         </p:nvPicPr>
@@ -412,12 +539,12 @@
       </p:pic>
       <p:pic>
         <p:nvPicPr>
-          <p:cNvPr id="36" name="" descr=""/>
+          <p:cNvPr id="36" name="35 Imagen"/>
           <p:cNvPicPr/>
           <p:nvPr/>
         </p:nvPicPr>
         <p:blipFill>
-          <a:blip r:embed="rId3"/>
+          <a:blip r:embed="rId2"/>
           <a:stretch>
             <a:fillRect/>
           </a:stretch>
@@ -437,11 +564,14 @@
       </p:pic>
     </p:spTree>
   </p:cSld>
+  <p:clrMapOvr>
+    <a:masterClrMapping/>
+  </p:clrMapOvr>
 </p:sldLayout>
 </file>
 
 <file path=ppt/slideLayouts/slideLayout13.xml><?xml version="1.0" encoding="utf-8"?>
-<p:sldLayout xmlns:a="http://schemas.openxmlformats.org/drawingml/2006/main" xmlns:p="http://schemas.openxmlformats.org/presentationml/2006/main" xmlns:r="http://schemas.openxmlformats.org/officeDocument/2006/relationships" type="blank" preserve="1">
+<p:sldLayout xmlns:a="http://schemas.openxmlformats.org/drawingml/2006/main" xmlns:r="http://schemas.openxmlformats.org/officeDocument/2006/relationships" xmlns:p="http://schemas.openxmlformats.org/presentationml/2006/main" type="blank" preserve="1">
   <p:cSld name="Blank Slide">
     <p:spTree>
       <p:nvGrpSpPr>
@@ -459,11 +589,14 @@
       </p:grpSpPr>
     </p:spTree>
   </p:cSld>
+  <p:clrMapOvr>
+    <a:masterClrMapping/>
+  </p:clrMapOvr>
 </p:sldLayout>
 </file>
 
 <file path=ppt/slideLayouts/slideLayout14.xml><?xml version="1.0" encoding="utf-8"?>
-<p:sldLayout xmlns:a="http://schemas.openxmlformats.org/drawingml/2006/main" xmlns:p="http://schemas.openxmlformats.org/presentationml/2006/main" xmlns:r="http://schemas.openxmlformats.org/officeDocument/2006/relationships" type="tx" preserve="1">
+<p:sldLayout xmlns:a="http://schemas.openxmlformats.org/drawingml/2006/main" xmlns:r="http://schemas.openxmlformats.org/officeDocument/2006/relationships" xmlns:p="http://schemas.openxmlformats.org/presentationml/2006/main" type="tx" preserve="1">
   <p:cSld name="Title Slide">
     <p:spTree>
       <p:nvGrpSpPr>
@@ -499,7 +632,8 @@
           </a:prstGeom>
         </p:spPr>
         <p:txBody>
-          <a:bodyPr lIns="0" rIns="0" tIns="0" bIns="0" anchor="ctr"/>
+          <a:bodyPr lIns="0" tIns="0" rIns="0" bIns="0" anchor="ctr"/>
+          <a:lstStyle/>
           <a:p>
             <a:pPr algn="ctr"/>
             <a:endParaRPr/>
@@ -526,7 +660,8 @@
           </a:prstGeom>
         </p:spPr>
         <p:txBody>
-          <a:bodyPr lIns="0" rIns="0" tIns="0" bIns="0" anchor="ctr"/>
+          <a:bodyPr lIns="0" tIns="0" rIns="0" bIns="0" anchor="ctr"/>
+          <a:lstStyle/>
           <a:p>
             <a:pPr algn="ctr"/>
             <a:endParaRPr/>
@@ -535,11 +670,14 @@
       </p:sp>
     </p:spTree>
   </p:cSld>
+  <p:clrMapOvr>
+    <a:masterClrMapping/>
+  </p:clrMapOvr>
 </p:sldLayout>
 </file>
 
 <file path=ppt/slideLayouts/slideLayout15.xml><?xml version="1.0" encoding="utf-8"?>
-<p:sldLayout xmlns:a="http://schemas.openxmlformats.org/drawingml/2006/main" xmlns:p="http://schemas.openxmlformats.org/presentationml/2006/main" xmlns:r="http://schemas.openxmlformats.org/officeDocument/2006/relationships" type="obj" preserve="1">
+<p:sldLayout xmlns:a="http://schemas.openxmlformats.org/drawingml/2006/main" xmlns:r="http://schemas.openxmlformats.org/officeDocument/2006/relationships" xmlns:p="http://schemas.openxmlformats.org/presentationml/2006/main" type="obj" preserve="1">
   <p:cSld name="Title, Content">
     <p:spTree>
       <p:nvGrpSpPr>
@@ -575,7 +713,8 @@
           </a:prstGeom>
         </p:spPr>
         <p:txBody>
-          <a:bodyPr lIns="0" rIns="0" tIns="0" bIns="0" anchor="ctr"/>
+          <a:bodyPr lIns="0" tIns="0" rIns="0" bIns="0" anchor="ctr"/>
+          <a:lstStyle/>
           <a:p>
             <a:pPr algn="ctr"/>
             <a:endParaRPr/>
@@ -602,7 +741,8 @@
           </a:prstGeom>
         </p:spPr>
         <p:txBody>
-          <a:bodyPr lIns="0" rIns="0" tIns="0" bIns="0"/>
+          <a:bodyPr lIns="0" tIns="0" rIns="0" bIns="0"/>
+          <a:lstStyle/>
           <a:p>
             <a:endParaRPr/>
           </a:p>
@@ -610,11 +750,14 @@
       </p:sp>
     </p:spTree>
   </p:cSld>
+  <p:clrMapOvr>
+    <a:masterClrMapping/>
+  </p:clrMapOvr>
 </p:sldLayout>
 </file>
 
 <file path=ppt/slideLayouts/slideLayout16.xml><?xml version="1.0" encoding="utf-8"?>
-<p:sldLayout xmlns:a="http://schemas.openxmlformats.org/drawingml/2006/main" xmlns:p="http://schemas.openxmlformats.org/presentationml/2006/main" xmlns:r="http://schemas.openxmlformats.org/officeDocument/2006/relationships" type="twoObj" preserve="1">
+<p:sldLayout xmlns:a="http://schemas.openxmlformats.org/drawingml/2006/main" xmlns:r="http://schemas.openxmlformats.org/officeDocument/2006/relationships" xmlns:p="http://schemas.openxmlformats.org/presentationml/2006/main" type="twoObj" preserve="1">
   <p:cSld name="Title, 2 Content">
     <p:spTree>
       <p:nvGrpSpPr>
@@ -650,7 +793,8 @@
           </a:prstGeom>
         </p:spPr>
         <p:txBody>
-          <a:bodyPr lIns="0" rIns="0" tIns="0" bIns="0" anchor="ctr"/>
+          <a:bodyPr lIns="0" tIns="0" rIns="0" bIns="0" anchor="ctr"/>
+          <a:lstStyle/>
           <a:p>
             <a:pPr algn="ctr"/>
             <a:endParaRPr/>
@@ -677,7 +821,8 @@
           </a:prstGeom>
         </p:spPr>
         <p:txBody>
-          <a:bodyPr lIns="0" rIns="0" tIns="0" bIns="0"/>
+          <a:bodyPr lIns="0" tIns="0" rIns="0" bIns="0"/>
+          <a:lstStyle/>
           <a:p>
             <a:endParaRPr/>
           </a:p>
@@ -703,7 +848,8 @@
           </a:prstGeom>
         </p:spPr>
         <p:txBody>
-          <a:bodyPr lIns="0" rIns="0" tIns="0" bIns="0"/>
+          <a:bodyPr lIns="0" tIns="0" rIns="0" bIns="0"/>
+          <a:lstStyle/>
           <a:p>
             <a:endParaRPr/>
           </a:p>
@@ -711,11 +857,14 @@
       </p:sp>
     </p:spTree>
   </p:cSld>
+  <p:clrMapOvr>
+    <a:masterClrMapping/>
+  </p:clrMapOvr>
 </p:sldLayout>
 </file>
 
 <file path=ppt/slideLayouts/slideLayout17.xml><?xml version="1.0" encoding="utf-8"?>
-<p:sldLayout xmlns:a="http://schemas.openxmlformats.org/drawingml/2006/main" xmlns:p="http://schemas.openxmlformats.org/presentationml/2006/main" xmlns:r="http://schemas.openxmlformats.org/officeDocument/2006/relationships" type="titleOnly" preserve="1">
+<p:sldLayout xmlns:a="http://schemas.openxmlformats.org/drawingml/2006/main" xmlns:r="http://schemas.openxmlformats.org/officeDocument/2006/relationships" xmlns:p="http://schemas.openxmlformats.org/presentationml/2006/main" type="titleOnly" preserve="1">
   <p:cSld name="Title Only">
     <p:spTree>
       <p:nvGrpSpPr>
@@ -751,7 +900,8 @@
           </a:prstGeom>
         </p:spPr>
         <p:txBody>
-          <a:bodyPr lIns="0" rIns="0" tIns="0" bIns="0" anchor="ctr"/>
+          <a:bodyPr lIns="0" tIns="0" rIns="0" bIns="0" anchor="ctr"/>
+          <a:lstStyle/>
           <a:p>
             <a:pPr algn="ctr"/>
             <a:endParaRPr/>
@@ -760,11 +910,14 @@
       </p:sp>
     </p:spTree>
   </p:cSld>
+  <p:clrMapOvr>
+    <a:masterClrMapping/>
+  </p:clrMapOvr>
 </p:sldLayout>
 </file>
 
 <file path=ppt/slideLayouts/slideLayout18.xml><?xml version="1.0" encoding="utf-8"?>
-<p:sldLayout xmlns:a="http://schemas.openxmlformats.org/drawingml/2006/main" xmlns:p="http://schemas.openxmlformats.org/presentationml/2006/main" xmlns:r="http://schemas.openxmlformats.org/officeDocument/2006/relationships" type="objOnly" preserve="1">
+<p:sldLayout xmlns:a="http://schemas.openxmlformats.org/drawingml/2006/main" xmlns:r="http://schemas.openxmlformats.org/officeDocument/2006/relationships" xmlns:p="http://schemas.openxmlformats.org/presentationml/2006/main" type="objOnly" preserve="1">
   <p:cSld name="Centered Text">
     <p:spTree>
       <p:nvGrpSpPr>
@@ -800,7 +953,8 @@
           </a:prstGeom>
         </p:spPr>
         <p:txBody>
-          <a:bodyPr lIns="0" rIns="0" tIns="0" bIns="0" anchor="ctr"/>
+          <a:bodyPr lIns="0" tIns="0" rIns="0" bIns="0" anchor="ctr"/>
+          <a:lstStyle/>
           <a:p>
             <a:pPr algn="ctr"/>
             <a:endParaRPr/>
@@ -809,11 +963,14 @@
       </p:sp>
     </p:spTree>
   </p:cSld>
+  <p:clrMapOvr>
+    <a:masterClrMapping/>
+  </p:clrMapOvr>
 </p:sldLayout>
 </file>
 
 <file path=ppt/slideLayouts/slideLayout19.xml><?xml version="1.0" encoding="utf-8"?>
-<p:sldLayout xmlns:a="http://schemas.openxmlformats.org/drawingml/2006/main" xmlns:p="http://schemas.openxmlformats.org/presentationml/2006/main" xmlns:r="http://schemas.openxmlformats.org/officeDocument/2006/relationships" type="twoObjAndObj" preserve="1">
+<p:sldLayout xmlns:a="http://schemas.openxmlformats.org/drawingml/2006/main" xmlns:r="http://schemas.openxmlformats.org/officeDocument/2006/relationships" xmlns:p="http://schemas.openxmlformats.org/presentationml/2006/main" type="twoObjAndObj" preserve="1">
   <p:cSld name="Title, 2 Content and Content">
     <p:spTree>
       <p:nvGrpSpPr>
@@ -849,7 +1006,8 @@
           </a:prstGeom>
         </p:spPr>
         <p:txBody>
-          <a:bodyPr lIns="0" rIns="0" tIns="0" bIns="0" anchor="ctr"/>
+          <a:bodyPr lIns="0" tIns="0" rIns="0" bIns="0" anchor="ctr"/>
+          <a:lstStyle/>
           <a:p>
             <a:pPr algn="ctr"/>
             <a:endParaRPr/>
@@ -876,7 +1034,8 @@
           </a:prstGeom>
         </p:spPr>
         <p:txBody>
-          <a:bodyPr lIns="0" rIns="0" tIns="0" bIns="0"/>
+          <a:bodyPr lIns="0" tIns="0" rIns="0" bIns="0"/>
+          <a:lstStyle/>
           <a:p>
             <a:endParaRPr/>
           </a:p>
@@ -902,7 +1061,8 @@
           </a:prstGeom>
         </p:spPr>
         <p:txBody>
-          <a:bodyPr lIns="0" rIns="0" tIns="0" bIns="0"/>
+          <a:bodyPr lIns="0" tIns="0" rIns="0" bIns="0"/>
+          <a:lstStyle/>
           <a:p>
             <a:endParaRPr/>
           </a:p>
@@ -928,7 +1088,8 @@
           </a:prstGeom>
         </p:spPr>
         <p:txBody>
-          <a:bodyPr lIns="0" rIns="0" tIns="0" bIns="0"/>
+          <a:bodyPr lIns="0" tIns="0" rIns="0" bIns="0"/>
+          <a:lstStyle/>
           <a:p>
             <a:endParaRPr/>
           </a:p>
@@ -936,11 +1097,14 @@
       </p:sp>
     </p:spTree>
   </p:cSld>
+  <p:clrMapOvr>
+    <a:masterClrMapping/>
+  </p:clrMapOvr>
 </p:sldLayout>
 </file>
 
 <file path=ppt/slideLayouts/slideLayout2.xml><?xml version="1.0" encoding="utf-8"?>
-<p:sldLayout xmlns:a="http://schemas.openxmlformats.org/drawingml/2006/main" xmlns:p="http://schemas.openxmlformats.org/presentationml/2006/main" xmlns:r="http://schemas.openxmlformats.org/officeDocument/2006/relationships" type="tx" preserve="1">
+<p:sldLayout xmlns:a="http://schemas.openxmlformats.org/drawingml/2006/main" xmlns:r="http://schemas.openxmlformats.org/officeDocument/2006/relationships" xmlns:p="http://schemas.openxmlformats.org/presentationml/2006/main" type="tx" preserve="1">
   <p:cSld name="Title Slide">
     <p:spTree>
       <p:nvGrpSpPr>
@@ -976,7 +1140,8 @@
           </a:prstGeom>
         </p:spPr>
         <p:txBody>
-          <a:bodyPr lIns="0" rIns="0" tIns="0" bIns="0" anchor="ctr"/>
+          <a:bodyPr lIns="0" tIns="0" rIns="0" bIns="0" anchor="ctr"/>
+          <a:lstStyle/>
           <a:p>
             <a:pPr algn="ctr"/>
             <a:endParaRPr/>
@@ -1003,7 +1168,8 @@
           </a:prstGeom>
         </p:spPr>
         <p:txBody>
-          <a:bodyPr lIns="0" rIns="0" tIns="0" bIns="0" anchor="ctr"/>
+          <a:bodyPr lIns="0" tIns="0" rIns="0" bIns="0" anchor="ctr"/>
+          <a:lstStyle/>
           <a:p>
             <a:pPr algn="ctr"/>
             <a:endParaRPr/>
@@ -1012,11 +1178,14 @@
       </p:sp>
     </p:spTree>
   </p:cSld>
+  <p:clrMapOvr>
+    <a:masterClrMapping/>
+  </p:clrMapOvr>
 </p:sldLayout>
 </file>
 
 <file path=ppt/slideLayouts/slideLayout20.xml><?xml version="1.0" encoding="utf-8"?>
-<p:sldLayout xmlns:a="http://schemas.openxmlformats.org/drawingml/2006/main" xmlns:p="http://schemas.openxmlformats.org/presentationml/2006/main" xmlns:r="http://schemas.openxmlformats.org/officeDocument/2006/relationships" type="objAndTwoObj" preserve="1">
+<p:sldLayout xmlns:a="http://schemas.openxmlformats.org/drawingml/2006/main" xmlns:r="http://schemas.openxmlformats.org/officeDocument/2006/relationships" xmlns:p="http://schemas.openxmlformats.org/presentationml/2006/main" type="objAndTwoObj" preserve="1">
   <p:cSld name="Title Content and 2 Content">
     <p:spTree>
       <p:nvGrpSpPr>
@@ -1052,7 +1221,8 @@
           </a:prstGeom>
         </p:spPr>
         <p:txBody>
-          <a:bodyPr lIns="0" rIns="0" tIns="0" bIns="0" anchor="ctr"/>
+          <a:bodyPr lIns="0" tIns="0" rIns="0" bIns="0" anchor="ctr"/>
+          <a:lstStyle/>
           <a:p>
             <a:pPr algn="ctr"/>
             <a:endParaRPr/>
@@ -1079,7 +1249,8 @@
           </a:prstGeom>
         </p:spPr>
         <p:txBody>
-          <a:bodyPr lIns="0" rIns="0" tIns="0" bIns="0"/>
+          <a:bodyPr lIns="0" tIns="0" rIns="0" bIns="0"/>
+          <a:lstStyle/>
           <a:p>
             <a:endParaRPr/>
           </a:p>
@@ -1105,7 +1276,8 @@
           </a:prstGeom>
         </p:spPr>
         <p:txBody>
-          <a:bodyPr lIns="0" rIns="0" tIns="0" bIns="0"/>
+          <a:bodyPr lIns="0" tIns="0" rIns="0" bIns="0"/>
+          <a:lstStyle/>
           <a:p>
             <a:endParaRPr/>
           </a:p>
@@ -1131,7 +1303,8 @@
           </a:prstGeom>
         </p:spPr>
         <p:txBody>
-          <a:bodyPr lIns="0" rIns="0" tIns="0" bIns="0"/>
+          <a:bodyPr lIns="0" tIns="0" rIns="0" bIns="0"/>
+          <a:lstStyle/>
           <a:p>
             <a:endParaRPr/>
           </a:p>
@@ -1139,11 +1312,14 @@
       </p:sp>
     </p:spTree>
   </p:cSld>
+  <p:clrMapOvr>
+    <a:masterClrMapping/>
+  </p:clrMapOvr>
 </p:sldLayout>
 </file>
 
 <file path=ppt/slideLayouts/slideLayout21.xml><?xml version="1.0" encoding="utf-8"?>
-<p:sldLayout xmlns:a="http://schemas.openxmlformats.org/drawingml/2006/main" xmlns:p="http://schemas.openxmlformats.org/presentationml/2006/main" xmlns:r="http://schemas.openxmlformats.org/officeDocument/2006/relationships" type="twoObjOverTx" preserve="1">
+<p:sldLayout xmlns:a="http://schemas.openxmlformats.org/drawingml/2006/main" xmlns:r="http://schemas.openxmlformats.org/officeDocument/2006/relationships" xmlns:p="http://schemas.openxmlformats.org/presentationml/2006/main" type="twoObjOverTx" preserve="1">
   <p:cSld name="Title, 2 Content over Content">
     <p:spTree>
       <p:nvGrpSpPr>
@@ -1179,7 +1355,8 @@
           </a:prstGeom>
         </p:spPr>
         <p:txBody>
-          <a:bodyPr lIns="0" rIns="0" tIns="0" bIns="0" anchor="ctr"/>
+          <a:bodyPr lIns="0" tIns="0" rIns="0" bIns="0" anchor="ctr"/>
+          <a:lstStyle/>
           <a:p>
             <a:pPr algn="ctr"/>
             <a:endParaRPr/>
@@ -1206,7 +1383,8 @@
           </a:prstGeom>
         </p:spPr>
         <p:txBody>
-          <a:bodyPr lIns="0" rIns="0" tIns="0" bIns="0"/>
+          <a:bodyPr lIns="0" tIns="0" rIns="0" bIns="0"/>
+          <a:lstStyle/>
           <a:p>
             <a:endParaRPr/>
           </a:p>
@@ -1232,7 +1410,8 @@
           </a:prstGeom>
         </p:spPr>
         <p:txBody>
-          <a:bodyPr lIns="0" rIns="0" tIns="0" bIns="0"/>
+          <a:bodyPr lIns="0" tIns="0" rIns="0" bIns="0"/>
+          <a:lstStyle/>
           <a:p>
             <a:endParaRPr/>
           </a:p>
@@ -1258,7 +1437,8 @@
           </a:prstGeom>
         </p:spPr>
         <p:txBody>
-          <a:bodyPr lIns="0" rIns="0" tIns="0" bIns="0"/>
+          <a:bodyPr lIns="0" tIns="0" rIns="0" bIns="0"/>
+          <a:lstStyle/>
           <a:p>
             <a:endParaRPr/>
           </a:p>
@@ -1266,11 +1446,14 @@
       </p:sp>
     </p:spTree>
   </p:cSld>
+  <p:clrMapOvr>
+    <a:masterClrMapping/>
+  </p:clrMapOvr>
 </p:sldLayout>
 </file>
 
 <file path=ppt/slideLayouts/slideLayout22.xml><?xml version="1.0" encoding="utf-8"?>
-<p:sldLayout xmlns:a="http://schemas.openxmlformats.org/drawingml/2006/main" xmlns:p="http://schemas.openxmlformats.org/presentationml/2006/main" xmlns:r="http://schemas.openxmlformats.org/officeDocument/2006/relationships" type="objOverTx" preserve="1">
+<p:sldLayout xmlns:a="http://schemas.openxmlformats.org/drawingml/2006/main" xmlns:r="http://schemas.openxmlformats.org/officeDocument/2006/relationships" xmlns:p="http://schemas.openxmlformats.org/presentationml/2006/main" type="objOverTx" preserve="1">
   <p:cSld name="Title, Content over Content">
     <p:spTree>
       <p:nvGrpSpPr>
@@ -1306,7 +1489,8 @@
           </a:prstGeom>
         </p:spPr>
         <p:txBody>
-          <a:bodyPr lIns="0" rIns="0" tIns="0" bIns="0" anchor="ctr"/>
+          <a:bodyPr lIns="0" tIns="0" rIns="0" bIns="0" anchor="ctr"/>
+          <a:lstStyle/>
           <a:p>
             <a:pPr algn="ctr"/>
             <a:endParaRPr/>
@@ -1333,7 +1517,8 @@
           </a:prstGeom>
         </p:spPr>
         <p:txBody>
-          <a:bodyPr lIns="0" rIns="0" tIns="0" bIns="0"/>
+          <a:bodyPr lIns="0" tIns="0" rIns="0" bIns="0"/>
+          <a:lstStyle/>
           <a:p>
             <a:endParaRPr/>
           </a:p>
@@ -1359,7 +1544,8 @@
           </a:prstGeom>
         </p:spPr>
         <p:txBody>
-          <a:bodyPr lIns="0" rIns="0" tIns="0" bIns="0"/>
+          <a:bodyPr lIns="0" tIns="0" rIns="0" bIns="0"/>
+          <a:lstStyle/>
           <a:p>
             <a:endParaRPr/>
           </a:p>
@@ -1367,11 +1553,14 @@
       </p:sp>
     </p:spTree>
   </p:cSld>
+  <p:clrMapOvr>
+    <a:masterClrMapping/>
+  </p:clrMapOvr>
 </p:sldLayout>
 </file>
 
 <file path=ppt/slideLayouts/slideLayout23.xml><?xml version="1.0" encoding="utf-8"?>
-<p:sldLayout xmlns:a="http://schemas.openxmlformats.org/drawingml/2006/main" xmlns:p="http://schemas.openxmlformats.org/presentationml/2006/main" xmlns:r="http://schemas.openxmlformats.org/officeDocument/2006/relationships" type="fourObj" preserve="1">
+<p:sldLayout xmlns:a="http://schemas.openxmlformats.org/drawingml/2006/main" xmlns:r="http://schemas.openxmlformats.org/officeDocument/2006/relationships" xmlns:p="http://schemas.openxmlformats.org/presentationml/2006/main" type="fourObj" preserve="1">
   <p:cSld name="Title, 4 Content">
     <p:spTree>
       <p:nvGrpSpPr>
@@ -1407,7 +1596,8 @@
           </a:prstGeom>
         </p:spPr>
         <p:txBody>
-          <a:bodyPr lIns="0" rIns="0" tIns="0" bIns="0" anchor="ctr"/>
+          <a:bodyPr lIns="0" tIns="0" rIns="0" bIns="0" anchor="ctr"/>
+          <a:lstStyle/>
           <a:p>
             <a:pPr algn="ctr"/>
             <a:endParaRPr/>
@@ -1434,7 +1624,8 @@
           </a:prstGeom>
         </p:spPr>
         <p:txBody>
-          <a:bodyPr lIns="0" rIns="0" tIns="0" bIns="0"/>
+          <a:bodyPr lIns="0" tIns="0" rIns="0" bIns="0"/>
+          <a:lstStyle/>
           <a:p>
             <a:endParaRPr/>
           </a:p>
@@ -1460,7 +1651,8 @@
           </a:prstGeom>
         </p:spPr>
         <p:txBody>
-          <a:bodyPr lIns="0" rIns="0" tIns="0" bIns="0"/>
+          <a:bodyPr lIns="0" tIns="0" rIns="0" bIns="0"/>
+          <a:lstStyle/>
           <a:p>
             <a:endParaRPr/>
           </a:p>
@@ -1486,7 +1678,8 @@
           </a:prstGeom>
         </p:spPr>
         <p:txBody>
-          <a:bodyPr lIns="0" rIns="0" tIns="0" bIns="0"/>
+          <a:bodyPr lIns="0" tIns="0" rIns="0" bIns="0"/>
+          <a:lstStyle/>
           <a:p>
             <a:endParaRPr/>
           </a:p>
@@ -1512,7 +1705,8 @@
           </a:prstGeom>
         </p:spPr>
         <p:txBody>
-          <a:bodyPr lIns="0" rIns="0" tIns="0" bIns="0"/>
+          <a:bodyPr lIns="0" tIns="0" rIns="0" bIns="0"/>
+          <a:lstStyle/>
           <a:p>
             <a:endParaRPr/>
           </a:p>
@@ -1520,11 +1714,14 @@
       </p:sp>
     </p:spTree>
   </p:cSld>
+  <p:clrMapOvr>
+    <a:masterClrMapping/>
+  </p:clrMapOvr>
 </p:sldLayout>
 </file>
 
 <file path=ppt/slideLayouts/slideLayout24.xml><?xml version="1.0" encoding="utf-8"?>
-<p:sldLayout xmlns:a="http://schemas.openxmlformats.org/drawingml/2006/main" xmlns:p="http://schemas.openxmlformats.org/presentationml/2006/main" xmlns:r="http://schemas.openxmlformats.org/officeDocument/2006/relationships" type="blank" preserve="1">
+<p:sldLayout xmlns:a="http://schemas.openxmlformats.org/drawingml/2006/main" xmlns:r="http://schemas.openxmlformats.org/officeDocument/2006/relationships" xmlns:p="http://schemas.openxmlformats.org/presentationml/2006/main" type="blank" preserve="1">
   <p:cSld name="Title, 6 Content">
     <p:spTree>
       <p:nvGrpSpPr>
@@ -1560,7 +1757,8 @@
           </a:prstGeom>
         </p:spPr>
         <p:txBody>
-          <a:bodyPr lIns="0" rIns="0" tIns="0" bIns="0" anchor="ctr"/>
+          <a:bodyPr lIns="0" tIns="0" rIns="0" bIns="0" anchor="ctr"/>
+          <a:lstStyle/>
           <a:p>
             <a:pPr algn="ctr"/>
             <a:endParaRPr/>
@@ -1587,7 +1785,8 @@
           </a:prstGeom>
         </p:spPr>
         <p:txBody>
-          <a:bodyPr lIns="0" rIns="0" tIns="0" bIns="0"/>
+          <a:bodyPr lIns="0" tIns="0" rIns="0" bIns="0"/>
+          <a:lstStyle/>
           <a:p>
             <a:endParaRPr/>
           </a:p>
@@ -1613,7 +1812,8 @@
           </a:prstGeom>
         </p:spPr>
         <p:txBody>
-          <a:bodyPr lIns="0" rIns="0" tIns="0" bIns="0"/>
+          <a:bodyPr lIns="0" tIns="0" rIns="0" bIns="0"/>
+          <a:lstStyle/>
           <a:p>
             <a:endParaRPr/>
           </a:p>
@@ -1621,7 +1821,7 @@
       </p:sp>
       <p:pic>
         <p:nvPicPr>
-          <p:cNvPr id="72" name="" descr=""/>
+          <p:cNvPr id="72" name="71 Imagen"/>
           <p:cNvPicPr/>
           <p:nvPr/>
         </p:nvPicPr>
@@ -1646,12 +1846,12 @@
       </p:pic>
       <p:pic>
         <p:nvPicPr>
-          <p:cNvPr id="73" name="" descr=""/>
+          <p:cNvPr id="73" name="72 Imagen"/>
           <p:cNvPicPr/>
           <p:nvPr/>
         </p:nvPicPr>
         <p:blipFill>
-          <a:blip r:embed="rId3"/>
+          <a:blip r:embed="rId2"/>
           <a:stretch>
             <a:fillRect/>
           </a:stretch>
@@ -1671,11 +1871,14 @@
       </p:pic>
     </p:spTree>
   </p:cSld>
+  <p:clrMapOvr>
+    <a:masterClrMapping/>
+  </p:clrMapOvr>
 </p:sldLayout>
 </file>
 
 <file path=ppt/slideLayouts/slideLayout3.xml><?xml version="1.0" encoding="utf-8"?>
-<p:sldLayout xmlns:a="http://schemas.openxmlformats.org/drawingml/2006/main" xmlns:p="http://schemas.openxmlformats.org/presentationml/2006/main" xmlns:r="http://schemas.openxmlformats.org/officeDocument/2006/relationships" type="obj" preserve="1">
+<p:sldLayout xmlns:a="http://schemas.openxmlformats.org/drawingml/2006/main" xmlns:r="http://schemas.openxmlformats.org/officeDocument/2006/relationships" xmlns:p="http://schemas.openxmlformats.org/presentationml/2006/main" type="obj" preserve="1">
   <p:cSld name="Title, Content">
     <p:spTree>
       <p:nvGrpSpPr>
@@ -1711,7 +1914,8 @@
           </a:prstGeom>
         </p:spPr>
         <p:txBody>
-          <a:bodyPr lIns="0" rIns="0" tIns="0" bIns="0" anchor="ctr"/>
+          <a:bodyPr lIns="0" tIns="0" rIns="0" bIns="0" anchor="ctr"/>
+          <a:lstStyle/>
           <a:p>
             <a:pPr algn="ctr"/>
             <a:endParaRPr/>
@@ -1738,7 +1942,8 @@
           </a:prstGeom>
         </p:spPr>
         <p:txBody>
-          <a:bodyPr lIns="0" rIns="0" tIns="0" bIns="0"/>
+          <a:bodyPr lIns="0" tIns="0" rIns="0" bIns="0"/>
+          <a:lstStyle/>
           <a:p>
             <a:endParaRPr/>
           </a:p>
@@ -1746,11 +1951,14 @@
       </p:sp>
     </p:spTree>
   </p:cSld>
+  <p:clrMapOvr>
+    <a:masterClrMapping/>
+  </p:clrMapOvr>
 </p:sldLayout>
 </file>
 
 <file path=ppt/slideLayouts/slideLayout4.xml><?xml version="1.0" encoding="utf-8"?>
-<p:sldLayout xmlns:a="http://schemas.openxmlformats.org/drawingml/2006/main" xmlns:p="http://schemas.openxmlformats.org/presentationml/2006/main" xmlns:r="http://schemas.openxmlformats.org/officeDocument/2006/relationships" type="twoObj" preserve="1">
+<p:sldLayout xmlns:a="http://schemas.openxmlformats.org/drawingml/2006/main" xmlns:r="http://schemas.openxmlformats.org/officeDocument/2006/relationships" xmlns:p="http://schemas.openxmlformats.org/presentationml/2006/main" type="twoObj" preserve="1">
   <p:cSld name="Title, 2 Content">
     <p:spTree>
       <p:nvGrpSpPr>
@@ -1786,7 +1994,8 @@
           </a:prstGeom>
         </p:spPr>
         <p:txBody>
-          <a:bodyPr lIns="0" rIns="0" tIns="0" bIns="0" anchor="ctr"/>
+          <a:bodyPr lIns="0" tIns="0" rIns="0" bIns="0" anchor="ctr"/>
+          <a:lstStyle/>
           <a:p>
             <a:pPr algn="ctr"/>
             <a:endParaRPr/>
@@ -1813,7 +2022,8 @@
           </a:prstGeom>
         </p:spPr>
         <p:txBody>
-          <a:bodyPr lIns="0" rIns="0" tIns="0" bIns="0"/>
+          <a:bodyPr lIns="0" tIns="0" rIns="0" bIns="0"/>
+          <a:lstStyle/>
           <a:p>
             <a:endParaRPr/>
           </a:p>
@@ -1839,7 +2049,8 @@
           </a:prstGeom>
         </p:spPr>
         <p:txBody>
-          <a:bodyPr lIns="0" rIns="0" tIns="0" bIns="0"/>
+          <a:bodyPr lIns="0" tIns="0" rIns="0" bIns="0"/>
+          <a:lstStyle/>
           <a:p>
             <a:endParaRPr/>
           </a:p>
@@ -1847,11 +2058,14 @@
       </p:sp>
     </p:spTree>
   </p:cSld>
+  <p:clrMapOvr>
+    <a:masterClrMapping/>
+  </p:clrMapOvr>
 </p:sldLayout>
 </file>
 
 <file path=ppt/slideLayouts/slideLayout5.xml><?xml version="1.0" encoding="utf-8"?>
-<p:sldLayout xmlns:a="http://schemas.openxmlformats.org/drawingml/2006/main" xmlns:p="http://schemas.openxmlformats.org/presentationml/2006/main" xmlns:r="http://schemas.openxmlformats.org/officeDocument/2006/relationships" type="titleOnly" preserve="1">
+<p:sldLayout xmlns:a="http://schemas.openxmlformats.org/drawingml/2006/main" xmlns:r="http://schemas.openxmlformats.org/officeDocument/2006/relationships" xmlns:p="http://schemas.openxmlformats.org/presentationml/2006/main" type="titleOnly" preserve="1">
   <p:cSld name="Title Only">
     <p:spTree>
       <p:nvGrpSpPr>
@@ -1887,7 +2101,8 @@
           </a:prstGeom>
         </p:spPr>
         <p:txBody>
-          <a:bodyPr lIns="0" rIns="0" tIns="0" bIns="0" anchor="ctr"/>
+          <a:bodyPr lIns="0" tIns="0" rIns="0" bIns="0" anchor="ctr"/>
+          <a:lstStyle/>
           <a:p>
             <a:pPr algn="ctr"/>
             <a:endParaRPr/>
@@ -1896,11 +2111,14 @@
       </p:sp>
     </p:spTree>
   </p:cSld>
+  <p:clrMapOvr>
+    <a:masterClrMapping/>
+  </p:clrMapOvr>
 </p:sldLayout>
 </file>
 
 <file path=ppt/slideLayouts/slideLayout6.xml><?xml version="1.0" encoding="utf-8"?>
-<p:sldLayout xmlns:a="http://schemas.openxmlformats.org/drawingml/2006/main" xmlns:p="http://schemas.openxmlformats.org/presentationml/2006/main" xmlns:r="http://schemas.openxmlformats.org/officeDocument/2006/relationships" type="objOnly" preserve="1">
+<p:sldLayout xmlns:a="http://schemas.openxmlformats.org/drawingml/2006/main" xmlns:r="http://schemas.openxmlformats.org/officeDocument/2006/relationships" xmlns:p="http://schemas.openxmlformats.org/presentationml/2006/main" type="objOnly" preserve="1">
   <p:cSld name="Centered Text">
     <p:spTree>
       <p:nvGrpSpPr>
@@ -1936,7 +2154,8 @@
           </a:prstGeom>
         </p:spPr>
         <p:txBody>
-          <a:bodyPr lIns="0" rIns="0" tIns="0" bIns="0" anchor="ctr"/>
+          <a:bodyPr lIns="0" tIns="0" rIns="0" bIns="0" anchor="ctr"/>
+          <a:lstStyle/>
           <a:p>
             <a:pPr algn="ctr"/>
             <a:endParaRPr/>
@@ -1945,11 +2164,14 @@
       </p:sp>
     </p:spTree>
   </p:cSld>
+  <p:clrMapOvr>
+    <a:masterClrMapping/>
+  </p:clrMapOvr>
 </p:sldLayout>
 </file>
 
 <file path=ppt/slideLayouts/slideLayout7.xml><?xml version="1.0" encoding="utf-8"?>
-<p:sldLayout xmlns:a="http://schemas.openxmlformats.org/drawingml/2006/main" xmlns:p="http://schemas.openxmlformats.org/presentationml/2006/main" xmlns:r="http://schemas.openxmlformats.org/officeDocument/2006/relationships" type="twoObjAndObj" preserve="1">
+<p:sldLayout xmlns:a="http://schemas.openxmlformats.org/drawingml/2006/main" xmlns:r="http://schemas.openxmlformats.org/officeDocument/2006/relationships" xmlns:p="http://schemas.openxmlformats.org/presentationml/2006/main" type="twoObjAndObj" preserve="1">
   <p:cSld name="Title, 2 Content and Content">
     <p:spTree>
       <p:nvGrpSpPr>
@@ -1985,7 +2207,8 @@
           </a:prstGeom>
         </p:spPr>
         <p:txBody>
-          <a:bodyPr lIns="0" rIns="0" tIns="0" bIns="0" anchor="ctr"/>
+          <a:bodyPr lIns="0" tIns="0" rIns="0" bIns="0" anchor="ctr"/>
+          <a:lstStyle/>
           <a:p>
             <a:pPr algn="ctr"/>
             <a:endParaRPr/>
@@ -2012,7 +2235,8 @@
           </a:prstGeom>
         </p:spPr>
         <p:txBody>
-          <a:bodyPr lIns="0" rIns="0" tIns="0" bIns="0"/>
+          <a:bodyPr lIns="0" tIns="0" rIns="0" bIns="0"/>
+          <a:lstStyle/>
           <a:p>
             <a:endParaRPr/>
           </a:p>
@@ -2038,7 +2262,8 @@
           </a:prstGeom>
         </p:spPr>
         <p:txBody>
-          <a:bodyPr lIns="0" rIns="0" tIns="0" bIns="0"/>
+          <a:bodyPr lIns="0" tIns="0" rIns="0" bIns="0"/>
+          <a:lstStyle/>
           <a:p>
             <a:endParaRPr/>
           </a:p>
@@ -2064,7 +2289,8 @@
           </a:prstGeom>
         </p:spPr>
         <p:txBody>
-          <a:bodyPr lIns="0" rIns="0" tIns="0" bIns="0"/>
+          <a:bodyPr lIns="0" tIns="0" rIns="0" bIns="0"/>
+          <a:lstStyle/>
           <a:p>
             <a:endParaRPr/>
           </a:p>
@@ -2072,11 +2298,14 @@
       </p:sp>
     </p:spTree>
   </p:cSld>
+  <p:clrMapOvr>
+    <a:masterClrMapping/>
+  </p:clrMapOvr>
 </p:sldLayout>
 </file>
 
 <file path=ppt/slideLayouts/slideLayout8.xml><?xml version="1.0" encoding="utf-8"?>
-<p:sldLayout xmlns:a="http://schemas.openxmlformats.org/drawingml/2006/main" xmlns:p="http://schemas.openxmlformats.org/presentationml/2006/main" xmlns:r="http://schemas.openxmlformats.org/officeDocument/2006/relationships" type="objAndTwoObj" preserve="1">
+<p:sldLayout xmlns:a="http://schemas.openxmlformats.org/drawingml/2006/main" xmlns:r="http://schemas.openxmlformats.org/officeDocument/2006/relationships" xmlns:p="http://schemas.openxmlformats.org/presentationml/2006/main" type="objAndTwoObj" preserve="1">
   <p:cSld name="Title Content and 2 Content">
     <p:spTree>
       <p:nvGrpSpPr>
@@ -2112,7 +2341,8 @@
           </a:prstGeom>
         </p:spPr>
         <p:txBody>
-          <a:bodyPr lIns="0" rIns="0" tIns="0" bIns="0" anchor="ctr"/>
+          <a:bodyPr lIns="0" tIns="0" rIns="0" bIns="0" anchor="ctr"/>
+          <a:lstStyle/>
           <a:p>
             <a:pPr algn="ctr"/>
             <a:endParaRPr/>
@@ -2139,7 +2369,8 @@
           </a:prstGeom>
         </p:spPr>
         <p:txBody>
-          <a:bodyPr lIns="0" rIns="0" tIns="0" bIns="0"/>
+          <a:bodyPr lIns="0" tIns="0" rIns="0" bIns="0"/>
+          <a:lstStyle/>
           <a:p>
             <a:endParaRPr/>
           </a:p>
@@ -2165,7 +2396,8 @@
           </a:prstGeom>
         </p:spPr>
         <p:txBody>
-          <a:bodyPr lIns="0" rIns="0" tIns="0" bIns="0"/>
+          <a:bodyPr lIns="0" tIns="0" rIns="0" bIns="0"/>
+          <a:lstStyle/>
           <a:p>
             <a:endParaRPr/>
           </a:p>
@@ -2191,7 +2423,8 @@
           </a:prstGeom>
         </p:spPr>
         <p:txBody>
-          <a:bodyPr lIns="0" rIns="0" tIns="0" bIns="0"/>
+          <a:bodyPr lIns="0" tIns="0" rIns="0" bIns="0"/>
+          <a:lstStyle/>
           <a:p>
             <a:endParaRPr/>
           </a:p>
@@ -2199,11 +2432,14 @@
       </p:sp>
     </p:spTree>
   </p:cSld>
+  <p:clrMapOvr>
+    <a:masterClrMapping/>
+  </p:clrMapOvr>
 </p:sldLayout>
 </file>
 
 <file path=ppt/slideLayouts/slideLayout9.xml><?xml version="1.0" encoding="utf-8"?>
-<p:sldLayout xmlns:a="http://schemas.openxmlformats.org/drawingml/2006/main" xmlns:p="http://schemas.openxmlformats.org/presentationml/2006/main" xmlns:r="http://schemas.openxmlformats.org/officeDocument/2006/relationships" type="twoObjOverTx" preserve="1">
+<p:sldLayout xmlns:a="http://schemas.openxmlformats.org/drawingml/2006/main" xmlns:r="http://schemas.openxmlformats.org/officeDocument/2006/relationships" xmlns:p="http://schemas.openxmlformats.org/presentationml/2006/main" type="twoObjOverTx" preserve="1">
   <p:cSld name="Title, 2 Content over Content">
     <p:spTree>
       <p:nvGrpSpPr>
@@ -2239,7 +2475,8 @@
           </a:prstGeom>
         </p:spPr>
         <p:txBody>
-          <a:bodyPr lIns="0" rIns="0" tIns="0" bIns="0" anchor="ctr"/>
+          <a:bodyPr lIns="0" tIns="0" rIns="0" bIns="0" anchor="ctr"/>
+          <a:lstStyle/>
           <a:p>
             <a:pPr algn="ctr"/>
             <a:endParaRPr/>
@@ -2266,7 +2503,8 @@
           </a:prstGeom>
         </p:spPr>
         <p:txBody>
-          <a:bodyPr lIns="0" rIns="0" tIns="0" bIns="0"/>
+          <a:bodyPr lIns="0" tIns="0" rIns="0" bIns="0"/>
+          <a:lstStyle/>
           <a:p>
             <a:endParaRPr/>
           </a:p>
@@ -2292,7 +2530,8 @@
           </a:prstGeom>
         </p:spPr>
         <p:txBody>
-          <a:bodyPr lIns="0" rIns="0" tIns="0" bIns="0"/>
+          <a:bodyPr lIns="0" tIns="0" rIns="0" bIns="0"/>
+          <a:lstStyle/>
           <a:p>
             <a:endParaRPr/>
           </a:p>
@@ -2318,7 +2557,8 @@
           </a:prstGeom>
         </p:spPr>
         <p:txBody>
-          <a:bodyPr lIns="0" rIns="0" tIns="0" bIns="0"/>
+          <a:bodyPr lIns="0" tIns="0" rIns="0" bIns="0"/>
+          <a:lstStyle/>
           <a:p>
             <a:endParaRPr/>
           </a:p>
@@ -2326,12 +2566,20 @@
       </p:sp>
     </p:spTree>
   </p:cSld>
+  <p:clrMapOvr>
+    <a:masterClrMapping/>
+  </p:clrMapOvr>
 </p:sldLayout>
 </file>
 
 <file path=ppt/slideMasters/slideMaster1.xml><?xml version="1.0" encoding="utf-8"?>
-<p:sldMaster xmlns:a="http://schemas.openxmlformats.org/drawingml/2006/main" xmlns:p="http://schemas.openxmlformats.org/presentationml/2006/main" xmlns:r="http://schemas.openxmlformats.org/officeDocument/2006/relationships">
+<p:sldMaster xmlns:a="http://schemas.openxmlformats.org/drawingml/2006/main" xmlns:r="http://schemas.openxmlformats.org/officeDocument/2006/relationships" xmlns:p="http://schemas.openxmlformats.org/presentationml/2006/main">
   <p:cSld>
+    <p:bg>
+      <p:bgRef idx="1001">
+        <a:schemeClr val="bg1"/>
+      </p:bgRef>
+    </p:bg>
     <p:spTree>
       <p:nvGrpSpPr>
         <p:cNvPr id="1" name=""/>
@@ -2348,12 +2596,12 @@
       </p:grpSpPr>
       <p:pic>
         <p:nvPicPr>
-          <p:cNvPr id="0" name="" descr=""/>
+          <p:cNvPr id="3" name="2 Imagen"/>
           <p:cNvPicPr/>
           <p:nvPr/>
         </p:nvPicPr>
         <p:blipFill>
-          <a:blip r:embed="rId2"/>
+          <a:blip r:embed="rId14"/>
           <a:stretch>
             <a:fillRect/>
           </a:stretch>
@@ -2373,7 +2621,7 @@
       </p:pic>
       <p:sp>
         <p:nvSpPr>
-          <p:cNvPr id="1" name="PlaceHolder 1"/>
+          <p:cNvPr id="4" name="PlaceHolder 1"/>
           <p:cNvSpPr>
             <a:spLocks noGrp="1"/>
           </p:cNvSpPr>
@@ -2391,7 +2639,8 @@
           </a:prstGeom>
         </p:spPr>
         <p:txBody>
-          <a:bodyPr lIns="0" rIns="0" tIns="0" bIns="0" anchor="ctr"/>
+          <a:bodyPr lIns="0" tIns="0" rIns="0" bIns="0" anchor="ctr"/>
+          <a:lstStyle/>
           <a:p>
             <a:pPr algn="ctr"/>
             <a:r>
@@ -2424,7 +2673,8 @@
           </a:prstGeom>
         </p:spPr>
         <p:txBody>
-          <a:bodyPr lIns="0" rIns="0" tIns="0" bIns="0"/>
+          <a:bodyPr lIns="0" tIns="0" rIns="0" bIns="0"/>
+          <a:lstStyle/>
           <a:p>
             <a:pPr>
               <a:buSzPct val="45000"/>
@@ -2527,27 +2777,37 @@
       </p:sp>
     </p:spTree>
   </p:cSld>
-  <p:clrMap bg1="lt1" bg2="lt2" tx1="dk1" tx2="dk2" accent1="accent1" accent2="accent2" accent3="accent3" accent4="accent4" accent5="accent5" accent6="accent6" hlink="hlink" folHlink="folHlink"/>
+  <p:clrMap bg1="lt1" tx1="dk1" bg2="lt2" tx2="dk2" accent1="accent1" accent2="accent2" accent3="accent3" accent4="accent4" accent5="accent5" accent6="accent6" hlink="hlink" folHlink="folHlink"/>
   <p:sldLayoutIdLst>
-    <p:sldLayoutId id="2147483649" r:id="rId3"/>
-    <p:sldLayoutId id="2147483650" r:id="rId4"/>
-    <p:sldLayoutId id="2147483651" r:id="rId5"/>
-    <p:sldLayoutId id="2147483652" r:id="rId6"/>
-    <p:sldLayoutId id="2147483653" r:id="rId7"/>
-    <p:sldLayoutId id="2147483654" r:id="rId8"/>
-    <p:sldLayoutId id="2147483655" r:id="rId9"/>
-    <p:sldLayoutId id="2147483656" r:id="rId10"/>
-    <p:sldLayoutId id="2147483657" r:id="rId11"/>
-    <p:sldLayoutId id="2147483658" r:id="rId12"/>
-    <p:sldLayoutId id="2147483659" r:id="rId13"/>
-    <p:sldLayoutId id="2147483660" r:id="rId14"/>
+    <p:sldLayoutId id="2147483649" r:id="rId1"/>
+    <p:sldLayoutId id="2147483650" r:id="rId2"/>
+    <p:sldLayoutId id="2147483651" r:id="rId3"/>
+    <p:sldLayoutId id="2147483652" r:id="rId4"/>
+    <p:sldLayoutId id="2147483653" r:id="rId5"/>
+    <p:sldLayoutId id="2147483654" r:id="rId6"/>
+    <p:sldLayoutId id="2147483655" r:id="rId7"/>
+    <p:sldLayoutId id="2147483656" r:id="rId8"/>
+    <p:sldLayoutId id="2147483657" r:id="rId9"/>
+    <p:sldLayoutId id="2147483658" r:id="rId10"/>
+    <p:sldLayoutId id="2147483659" r:id="rId11"/>
+    <p:sldLayoutId id="2147483660" r:id="rId12"/>
   </p:sldLayoutIdLst>
+  <p:txStyles>
+    <p:titleStyle/>
+    <p:bodyStyle/>
+    <p:otherStyle/>
+  </p:txStyles>
 </p:sldMaster>
 </file>
 
 <file path=ppt/slideMasters/slideMaster2.xml><?xml version="1.0" encoding="utf-8"?>
-<p:sldMaster xmlns:a="http://schemas.openxmlformats.org/drawingml/2006/main" xmlns:p="http://schemas.openxmlformats.org/presentationml/2006/main" xmlns:r="http://schemas.openxmlformats.org/officeDocument/2006/relationships">
+<p:sldMaster xmlns:a="http://schemas.openxmlformats.org/drawingml/2006/main" xmlns:r="http://schemas.openxmlformats.org/officeDocument/2006/relationships" xmlns:p="http://schemas.openxmlformats.org/presentationml/2006/main">
   <p:cSld>
+    <p:bg>
+      <p:bgRef idx="1001">
+        <a:schemeClr val="bg1"/>
+      </p:bgRef>
+    </p:bg>
     <p:spTree>
       <p:nvGrpSpPr>
         <p:cNvPr id="1" name=""/>
@@ -2564,12 +2824,12 @@
       </p:grpSpPr>
       <p:pic>
         <p:nvPicPr>
-          <p:cNvPr id="37" name="" descr=""/>
+          <p:cNvPr id="37" name="36 Imagen"/>
           <p:cNvPicPr/>
           <p:nvPr/>
         </p:nvPicPr>
         <p:blipFill>
-          <a:blip r:embed="rId2"/>
+          <a:blip r:embed="rId14"/>
           <a:stretch>
             <a:fillRect/>
           </a:stretch>
@@ -2607,7 +2867,8 @@
           </a:prstGeom>
         </p:spPr>
         <p:txBody>
-          <a:bodyPr lIns="0" rIns="0" tIns="0" bIns="0" anchor="ctr"/>
+          <a:bodyPr lIns="0" tIns="0" rIns="0" bIns="0" anchor="ctr"/>
+          <a:lstStyle/>
           <a:p>
             <a:pPr algn="ctr"/>
             <a:r>
@@ -2640,7 +2901,8 @@
           </a:prstGeom>
         </p:spPr>
         <p:txBody>
-          <a:bodyPr lIns="0" rIns="0" tIns="0" bIns="0"/>
+          <a:bodyPr lIns="0" tIns="0" rIns="0" bIns="0"/>
+          <a:lstStyle/>
           <a:p>
             <a:pPr>
               <a:buSzPct val="45000"/>
@@ -2743,26 +3005,31 @@
       </p:sp>
     </p:spTree>
   </p:cSld>
-  <p:clrMap bg1="lt1" bg2="lt2" tx1="dk1" tx2="dk2" accent1="accent1" accent2="accent2" accent3="accent3" accent4="accent4" accent5="accent5" accent6="accent6" hlink="hlink" folHlink="folHlink"/>
+  <p:clrMap bg1="lt1" tx1="dk1" bg2="lt2" tx2="dk2" accent1="accent1" accent2="accent2" accent3="accent3" accent4="accent4" accent5="accent5" accent6="accent6" hlink="hlink" folHlink="folHlink"/>
   <p:sldLayoutIdLst>
-    <p:sldLayoutId id="2147483662" r:id="rId3"/>
-    <p:sldLayoutId id="2147483663" r:id="rId4"/>
-    <p:sldLayoutId id="2147483664" r:id="rId5"/>
-    <p:sldLayoutId id="2147483665" r:id="rId6"/>
-    <p:sldLayoutId id="2147483666" r:id="rId7"/>
-    <p:sldLayoutId id="2147483667" r:id="rId8"/>
-    <p:sldLayoutId id="2147483668" r:id="rId9"/>
-    <p:sldLayoutId id="2147483669" r:id="rId10"/>
-    <p:sldLayoutId id="2147483670" r:id="rId11"/>
-    <p:sldLayoutId id="2147483671" r:id="rId12"/>
-    <p:sldLayoutId id="2147483672" r:id="rId13"/>
-    <p:sldLayoutId id="2147483673" r:id="rId14"/>
+    <p:sldLayoutId id="2147483662" r:id="rId1"/>
+    <p:sldLayoutId id="2147483663" r:id="rId2"/>
+    <p:sldLayoutId id="2147483664" r:id="rId3"/>
+    <p:sldLayoutId id="2147483665" r:id="rId4"/>
+    <p:sldLayoutId id="2147483666" r:id="rId5"/>
+    <p:sldLayoutId id="2147483667" r:id="rId6"/>
+    <p:sldLayoutId id="2147483668" r:id="rId7"/>
+    <p:sldLayoutId id="2147483669" r:id="rId8"/>
+    <p:sldLayoutId id="2147483670" r:id="rId9"/>
+    <p:sldLayoutId id="2147483671" r:id="rId10"/>
+    <p:sldLayoutId id="2147483672" r:id="rId11"/>
+    <p:sldLayoutId id="2147483673" r:id="rId12"/>
   </p:sldLayoutIdLst>
+  <p:txStyles>
+    <p:titleStyle/>
+    <p:bodyStyle/>
+    <p:otherStyle/>
+  </p:txStyles>
 </p:sldMaster>
 </file>
 
 <file path=ppt/slides/slide1.xml><?xml version="1.0" encoding="utf-8"?>
-<p:sld xmlns:a="http://schemas.openxmlformats.org/drawingml/2006/main" xmlns:p="http://schemas.openxmlformats.org/presentationml/2006/main" xmlns:r="http://schemas.openxmlformats.org/officeDocument/2006/relationships">
+<p:sld xmlns:a="http://schemas.openxmlformats.org/drawingml/2006/main" xmlns:r="http://schemas.openxmlformats.org/officeDocument/2006/relationships" xmlns:p="http://schemas.openxmlformats.org/presentationml/2006/main">
   <p:cSld>
     <p:spTree>
       <p:nvGrpSpPr>
@@ -2798,7 +3065,8 @@
           </a:ln>
         </p:spPr>
         <p:txBody>
-          <a:bodyPr lIns="90000" rIns="90000" tIns="45000" bIns="45000" anchor="b"/>
+          <a:bodyPr lIns="90000" tIns="45000" rIns="90000" bIns="45000" anchor="b"/>
+          <a:lstStyle/>
           <a:p>
             <a:pPr>
               <a:lnSpc>
@@ -2808,7 +3076,7 @@
             <a:r>
               <a:rPr lang="es-EC" sz="5400">
                 <a:solidFill>
-                  <a:srgbClr val="ffffff"/>
+                  <a:srgbClr val="FFFFFF"/>
                 </a:solidFill>
                 <a:latin typeface="Book Antiqua"/>
               </a:rPr>
@@ -2820,6 +3088,9 @@
       </p:sp>
     </p:spTree>
   </p:cSld>
+  <p:clrMapOvr>
+    <a:masterClrMapping/>
+  </p:clrMapOvr>
   <p:timing>
     <p:tnLst>
       <p:par>
@@ -2828,14 +3099,14 @@
             <p:seq>
               <p:cTn id="2" nodeType="mainSeq"/>
               <p:prevCondLst>
-                <p:cond delay="0" evt="onPrev">
+                <p:cond evt="onPrev" delay="0">
                   <p:tgtEl>
                     <p:sldTgt/>
                   </p:tgtEl>
                 </p:cond>
               </p:prevCondLst>
               <p:nextCondLst>
-                <p:cond delay="0" evt="onNext">
+                <p:cond evt="onNext" delay="0">
                   <p:tgtEl>
                     <p:sldTgt/>
                   </p:tgtEl>
@@ -2844,6 +3115,2628 @@
             </p:seq>
           </p:childTnLst>
         </p:cTn>
+      </p:par>
+    </p:tnLst>
+  </p:timing>
+</p:sld>
+</file>
+
+<file path=ppt/slides/slide10.xml><?xml version="1.0" encoding="utf-8"?>
+<p:sld xmlns:a="http://schemas.openxmlformats.org/drawingml/2006/main" xmlns:r="http://schemas.openxmlformats.org/officeDocument/2006/relationships" xmlns:p="http://schemas.openxmlformats.org/presentationml/2006/main">
+  <p:cSld>
+    <p:spTree>
+      <p:nvGrpSpPr>
+        <p:cNvPr id="1" name=""/>
+        <p:cNvGrpSpPr/>
+        <p:nvPr/>
+      </p:nvGrpSpPr>
+      <p:grpSpPr>
+        <a:xfrm>
+          <a:off x="0" y="0"/>
+          <a:ext cx="0" cy="0"/>
+          <a:chOff x="0" y="0"/>
+          <a:chExt cx="0" cy="0"/>
+        </a:xfrm>
+      </p:grpSpPr>
+      <p:sp>
+        <p:nvSpPr>
+          <p:cNvPr id="2" name="1 CuadroTexto"/>
+          <p:cNvSpPr txBox="1"/>
+          <p:nvPr/>
+        </p:nvSpPr>
+        <p:spPr>
+          <a:xfrm>
+            <a:off x="304800" y="228600"/>
+            <a:ext cx="8610600" cy="707886"/>
+          </a:xfrm>
+          <a:prstGeom prst="rect">
+            <a:avLst/>
+          </a:prstGeom>
+          <a:noFill/>
+        </p:spPr>
+        <p:txBody>
+          <a:bodyPr wrap="square" rtlCol="0">
+            <a:spAutoFit/>
+          </a:bodyPr>
+          <a:lstStyle/>
+          <a:p>
+            <a:r>
+              <a:rPr lang="es-ES" sz="4000" dirty="0"/>
+              <a:t>Filtros de fecha en Excel</a:t>
+            </a:r>
+          </a:p>
+        </p:txBody>
+      </p:sp>
+      <p:pic>
+        <p:nvPicPr>
+          <p:cNvPr id="1026" name="Picture 2"/>
+          <p:cNvPicPr>
+            <a:picLocks noChangeAspect="1" noChangeArrowheads="1"/>
+          </p:cNvPicPr>
+          <p:nvPr/>
+        </p:nvPicPr>
+        <p:blipFill>
+          <a:blip r:embed="rId2">
+            <a:extLst>
+              <a:ext uri="{28A0092B-C50C-407E-A947-70E740481C1C}">
+                <a14:useLocalDpi xmlns:a14="http://schemas.microsoft.com/office/drawing/2010/main" val="0"/>
+              </a:ext>
+            </a:extLst>
+          </a:blip>
+          <a:srcRect/>
+          <a:stretch>
+            <a:fillRect/>
+          </a:stretch>
+        </p:blipFill>
+        <p:spPr bwMode="auto">
+          <a:xfrm>
+            <a:off x="723900" y="1066800"/>
+            <a:ext cx="7772400" cy="5562600"/>
+          </a:xfrm>
+          <a:prstGeom prst="rect">
+            <a:avLst/>
+          </a:prstGeom>
+          <a:noFill/>
+          <a:ln>
+            <a:noFill/>
+          </a:ln>
+          <a:effectLst/>
+          <a:extLst>
+            <a:ext uri="{909E8E84-426E-40DD-AFC4-6F175D3DCCD1}">
+              <a14:hiddenFill xmlns:a14="http://schemas.microsoft.com/office/drawing/2010/main">
+                <a:solidFill>
+                  <a:schemeClr val="accent1"/>
+                </a:solidFill>
+              </a14:hiddenFill>
+            </a:ext>
+            <a:ext uri="{91240B29-F687-4F45-9708-019B960494DF}">
+              <a14:hiddenLine xmlns:a14="http://schemas.microsoft.com/office/drawing/2010/main" w="9525">
+                <a:solidFill>
+                  <a:schemeClr val="tx1"/>
+                </a:solidFill>
+                <a:miter lim="800000"/>
+                <a:headEnd/>
+                <a:tailEnd/>
+              </a14:hiddenLine>
+            </a:ext>
+            <a:ext uri="{AF507438-7753-43E0-B8FC-AC1667EBCBE1}">
+              <a14:hiddenEffects xmlns:a14="http://schemas.microsoft.com/office/drawing/2010/main">
+                <a:effectLst>
+                  <a:outerShdw dist="35921" dir="2700000" algn="ctr" rotWithShape="0">
+                    <a:schemeClr val="bg2"/>
+                  </a:outerShdw>
+                </a:effectLst>
+              </a14:hiddenEffects>
+            </a:ext>
+          </a:extLst>
+        </p:spPr>
+      </p:pic>
+    </p:spTree>
+    <p:extLst>
+      <p:ext uri="{BB962C8B-B14F-4D97-AF65-F5344CB8AC3E}">
+        <p14:creationId xmlns:p14="http://schemas.microsoft.com/office/powerpoint/2010/main" val="1062292898"/>
+      </p:ext>
+    </p:extLst>
+  </p:cSld>
+  <p:clrMapOvr>
+    <a:masterClrMapping/>
+  </p:clrMapOvr>
+  <p:timing>
+    <p:tnLst>
+      <p:par>
+        <p:cTn id="1" dur="indefinite" restart="never" nodeType="tmRoot"/>
+      </p:par>
+    </p:tnLst>
+  </p:timing>
+</p:sld>
+</file>
+
+<file path=ppt/slides/slide11.xml><?xml version="1.0" encoding="utf-8"?>
+<p:sld xmlns:a="http://schemas.openxmlformats.org/drawingml/2006/main" xmlns:r="http://schemas.openxmlformats.org/officeDocument/2006/relationships" xmlns:p="http://schemas.openxmlformats.org/presentationml/2006/main">
+  <p:cSld>
+    <p:spTree>
+      <p:nvGrpSpPr>
+        <p:cNvPr id="1" name=""/>
+        <p:cNvGrpSpPr/>
+        <p:nvPr/>
+      </p:nvGrpSpPr>
+      <p:grpSpPr>
+        <a:xfrm>
+          <a:off x="0" y="0"/>
+          <a:ext cx="0" cy="0"/>
+          <a:chOff x="0" y="0"/>
+          <a:chExt cx="0" cy="0"/>
+        </a:xfrm>
+      </p:grpSpPr>
+      <p:sp>
+        <p:nvSpPr>
+          <p:cNvPr id="2" name="1 CuadroTexto"/>
+          <p:cNvSpPr txBox="1"/>
+          <p:nvPr/>
+        </p:nvSpPr>
+        <p:spPr>
+          <a:xfrm>
+            <a:off x="304800" y="228600"/>
+            <a:ext cx="8610600" cy="707886"/>
+          </a:xfrm>
+          <a:prstGeom prst="rect">
+            <a:avLst/>
+          </a:prstGeom>
+          <a:noFill/>
+        </p:spPr>
+        <p:txBody>
+          <a:bodyPr wrap="square" rtlCol="0">
+            <a:spAutoFit/>
+          </a:bodyPr>
+          <a:lstStyle/>
+          <a:p>
+            <a:r>
+              <a:rPr lang="es-ES" sz="4000" dirty="0"/>
+              <a:t>Filtrar por color en Excel</a:t>
+            </a:r>
+          </a:p>
+        </p:txBody>
+      </p:sp>
+      <p:pic>
+        <p:nvPicPr>
+          <p:cNvPr id="2050" name="Picture 2"/>
+          <p:cNvPicPr>
+            <a:picLocks noChangeAspect="1" noChangeArrowheads="1"/>
+          </p:cNvPicPr>
+          <p:nvPr/>
+        </p:nvPicPr>
+        <p:blipFill>
+          <a:blip r:embed="rId2">
+            <a:extLst>
+              <a:ext uri="{28A0092B-C50C-407E-A947-70E740481C1C}">
+                <a14:useLocalDpi xmlns:a14="http://schemas.microsoft.com/office/drawing/2010/main" val="0"/>
+              </a:ext>
+            </a:extLst>
+          </a:blip>
+          <a:srcRect/>
+          <a:stretch>
+            <a:fillRect/>
+          </a:stretch>
+        </p:blipFill>
+        <p:spPr bwMode="auto">
+          <a:xfrm>
+            <a:off x="609600" y="1327601"/>
+            <a:ext cx="7620000" cy="4615999"/>
+          </a:xfrm>
+          <a:prstGeom prst="rect">
+            <a:avLst/>
+          </a:prstGeom>
+          <a:noFill/>
+          <a:ln>
+            <a:noFill/>
+          </a:ln>
+          <a:effectLst/>
+          <a:extLst>
+            <a:ext uri="{909E8E84-426E-40DD-AFC4-6F175D3DCCD1}">
+              <a14:hiddenFill xmlns:a14="http://schemas.microsoft.com/office/drawing/2010/main">
+                <a:solidFill>
+                  <a:schemeClr val="accent1"/>
+                </a:solidFill>
+              </a14:hiddenFill>
+            </a:ext>
+            <a:ext uri="{91240B29-F687-4F45-9708-019B960494DF}">
+              <a14:hiddenLine xmlns:a14="http://schemas.microsoft.com/office/drawing/2010/main" w="9525">
+                <a:solidFill>
+                  <a:schemeClr val="tx1"/>
+                </a:solidFill>
+                <a:miter lim="800000"/>
+                <a:headEnd/>
+                <a:tailEnd/>
+              </a14:hiddenLine>
+            </a:ext>
+            <a:ext uri="{AF507438-7753-43E0-B8FC-AC1667EBCBE1}">
+              <a14:hiddenEffects xmlns:a14="http://schemas.microsoft.com/office/drawing/2010/main">
+                <a:effectLst>
+                  <a:outerShdw dist="35921" dir="2700000" algn="ctr" rotWithShape="0">
+                    <a:schemeClr val="bg2"/>
+                  </a:outerShdw>
+                </a:effectLst>
+              </a14:hiddenEffects>
+            </a:ext>
+          </a:extLst>
+        </p:spPr>
+      </p:pic>
+    </p:spTree>
+    <p:extLst>
+      <p:ext uri="{BB962C8B-B14F-4D97-AF65-F5344CB8AC3E}">
+        <p14:creationId xmlns:p14="http://schemas.microsoft.com/office/powerpoint/2010/main" val="288460670"/>
+      </p:ext>
+    </p:extLst>
+  </p:cSld>
+  <p:clrMapOvr>
+    <a:masterClrMapping/>
+  </p:clrMapOvr>
+  <p:timing>
+    <p:tnLst>
+      <p:par>
+        <p:cTn id="1" dur="indefinite" restart="never" nodeType="tmRoot"/>
+      </p:par>
+    </p:tnLst>
+  </p:timing>
+</p:sld>
+</file>
+
+<file path=ppt/slides/slide12.xml><?xml version="1.0" encoding="utf-8"?>
+<p:sld xmlns:a="http://schemas.openxmlformats.org/drawingml/2006/main" xmlns:r="http://schemas.openxmlformats.org/officeDocument/2006/relationships" xmlns:p="http://schemas.openxmlformats.org/presentationml/2006/main">
+  <p:cSld>
+    <p:spTree>
+      <p:nvGrpSpPr>
+        <p:cNvPr id="1" name=""/>
+        <p:cNvGrpSpPr/>
+        <p:nvPr/>
+      </p:nvGrpSpPr>
+      <p:grpSpPr>
+        <a:xfrm>
+          <a:off x="0" y="0"/>
+          <a:ext cx="0" cy="0"/>
+          <a:chOff x="0" y="0"/>
+          <a:chExt cx="0" cy="0"/>
+        </a:xfrm>
+      </p:grpSpPr>
+      <p:sp>
+        <p:nvSpPr>
+          <p:cNvPr id="2" name="1 CuadroTexto"/>
+          <p:cNvSpPr txBox="1"/>
+          <p:nvPr/>
+        </p:nvSpPr>
+        <p:spPr>
+          <a:xfrm>
+            <a:off x="3200400" y="2666999"/>
+            <a:ext cx="3962400" cy="1015663"/>
+          </a:xfrm>
+          <a:prstGeom prst="rect">
+            <a:avLst/>
+          </a:prstGeom>
+          <a:noFill/>
+        </p:spPr>
+        <p:txBody>
+          <a:bodyPr wrap="square" rtlCol="0">
+            <a:spAutoFit/>
+          </a:bodyPr>
+          <a:lstStyle/>
+          <a:p>
+            <a:r>
+              <a:rPr lang="en-US" sz="6000" dirty="0" err="1" smtClean="0"/>
+              <a:t>Practica</a:t>
+            </a:r>
+            <a:endParaRPr lang="es-ES" sz="6000" dirty="0"/>
+          </a:p>
+        </p:txBody>
+      </p:sp>
+    </p:spTree>
+    <p:extLst>
+      <p:ext uri="{BB962C8B-B14F-4D97-AF65-F5344CB8AC3E}">
+        <p14:creationId xmlns:p14="http://schemas.microsoft.com/office/powerpoint/2010/main" val="549437616"/>
+      </p:ext>
+    </p:extLst>
+  </p:cSld>
+  <p:clrMapOvr>
+    <a:masterClrMapping/>
+  </p:clrMapOvr>
+  <p:timing>
+    <p:tnLst>
+      <p:par>
+        <p:cTn id="1" dur="indefinite" restart="never" nodeType="tmRoot"/>
+      </p:par>
+    </p:tnLst>
+  </p:timing>
+</p:sld>
+</file>
+
+<file path=ppt/slides/slide13.xml><?xml version="1.0" encoding="utf-8"?>
+<p:sld xmlns:a="http://schemas.openxmlformats.org/drawingml/2006/main" xmlns:r="http://schemas.openxmlformats.org/officeDocument/2006/relationships" xmlns:p="http://schemas.openxmlformats.org/presentationml/2006/main">
+  <p:cSld>
+    <p:spTree>
+      <p:nvGrpSpPr>
+        <p:cNvPr id="1" name=""/>
+        <p:cNvGrpSpPr/>
+        <p:nvPr/>
+      </p:nvGrpSpPr>
+      <p:grpSpPr>
+        <a:xfrm>
+          <a:off x="0" y="0"/>
+          <a:ext cx="0" cy="0"/>
+          <a:chOff x="0" y="0"/>
+          <a:chExt cx="0" cy="0"/>
+        </a:xfrm>
+      </p:grpSpPr>
+      <p:sp>
+        <p:nvSpPr>
+          <p:cNvPr id="2" name="1 CuadroTexto"/>
+          <p:cNvSpPr txBox="1"/>
+          <p:nvPr/>
+        </p:nvSpPr>
+        <p:spPr>
+          <a:xfrm>
+            <a:off x="685800" y="381000"/>
+            <a:ext cx="8001000" cy="5078313"/>
+          </a:xfrm>
+          <a:prstGeom prst="rect">
+            <a:avLst/>
+          </a:prstGeom>
+          <a:noFill/>
+        </p:spPr>
+        <p:txBody>
+          <a:bodyPr wrap="square" rtlCol="0">
+            <a:spAutoFit/>
+          </a:bodyPr>
+          <a:lstStyle/>
+          <a:p>
+            <a:pPr marL="342900" indent="-342900">
+              <a:buAutoNum type="arabicParenR"/>
+            </a:pPr>
+            <a:r>
+              <a:rPr lang="en-US" dirty="0" err="1" smtClean="0"/>
+              <a:t>Realizar</a:t>
+            </a:r>
+            <a:r>
+              <a:rPr lang="en-US" dirty="0" smtClean="0"/>
+              <a:t> un </a:t>
+            </a:r>
+            <a:r>
+              <a:rPr lang="en-US" dirty="0" err="1" smtClean="0"/>
+              <a:t>filtro</a:t>
+            </a:r>
+            <a:r>
+              <a:rPr lang="en-US" dirty="0" smtClean="0"/>
+              <a:t> </a:t>
+            </a:r>
+            <a:r>
+              <a:rPr lang="en-US" dirty="0" err="1" smtClean="0"/>
+              <a:t>por</a:t>
+            </a:r>
+            <a:r>
+              <a:rPr lang="en-US" dirty="0" smtClean="0"/>
+              <a:t> </a:t>
+            </a:r>
+            <a:r>
+              <a:rPr lang="en-US" dirty="0" err="1" smtClean="0"/>
+              <a:t>apellido</a:t>
+            </a:r>
+            <a:r>
+              <a:rPr lang="en-US" dirty="0"/>
+              <a:t> </a:t>
+            </a:r>
+            <a:r>
+              <a:rPr lang="en-US" dirty="0" smtClean="0"/>
+              <a:t>Leon.</a:t>
+            </a:r>
+          </a:p>
+          <a:p>
+            <a:pPr marL="342900" indent="-342900">
+              <a:buAutoNum type="arabicParenR"/>
+            </a:pPr>
+            <a:r>
+              <a:rPr lang="en-US" dirty="0" err="1" smtClean="0"/>
+              <a:t>Filtrar</a:t>
+            </a:r>
+            <a:r>
+              <a:rPr lang="en-US" dirty="0" smtClean="0"/>
+              <a:t> </a:t>
+            </a:r>
+            <a:r>
+              <a:rPr lang="en-US" dirty="0" err="1" smtClean="0"/>
+              <a:t>por</a:t>
+            </a:r>
+            <a:r>
+              <a:rPr lang="en-US" dirty="0" smtClean="0"/>
+              <a:t> </a:t>
+            </a:r>
+            <a:r>
+              <a:rPr lang="en-US" dirty="0" err="1" smtClean="0"/>
+              <a:t>nombre</a:t>
+            </a:r>
+            <a:r>
+              <a:rPr lang="en-US" dirty="0" smtClean="0"/>
+              <a:t> de la persona, </a:t>
+            </a:r>
+            <a:r>
+              <a:rPr lang="en-US" dirty="0" err="1" smtClean="0"/>
+              <a:t>que</a:t>
+            </a:r>
+            <a:r>
+              <a:rPr lang="en-US" dirty="0" smtClean="0"/>
+              <a:t> </a:t>
+            </a:r>
+            <a:r>
+              <a:rPr lang="en-US" dirty="0" err="1" smtClean="0"/>
+              <a:t>contengan</a:t>
+            </a:r>
+            <a:r>
+              <a:rPr lang="en-US" dirty="0" smtClean="0"/>
+              <a:t> la </a:t>
+            </a:r>
+            <a:r>
+              <a:rPr lang="en-US" dirty="0" err="1" smtClean="0"/>
+              <a:t>palabra</a:t>
+            </a:r>
+            <a:r>
+              <a:rPr lang="en-US" dirty="0" smtClean="0"/>
+              <a:t> “en”.</a:t>
+            </a:r>
+          </a:p>
+          <a:p>
+            <a:pPr marL="342900" indent="-342900">
+              <a:buFontTx/>
+              <a:buAutoNum type="arabicParenR"/>
+            </a:pPr>
+            <a:r>
+              <a:rPr lang="en-US" dirty="0" err="1"/>
+              <a:t>Filtrar</a:t>
+            </a:r>
+            <a:r>
+              <a:rPr lang="en-US" dirty="0"/>
+              <a:t> </a:t>
+            </a:r>
+            <a:r>
+              <a:rPr lang="en-US" dirty="0" err="1"/>
+              <a:t>por</a:t>
+            </a:r>
+            <a:r>
+              <a:rPr lang="en-US" dirty="0"/>
+              <a:t> </a:t>
+            </a:r>
+            <a:r>
+              <a:rPr lang="en-US" dirty="0" err="1" smtClean="0"/>
+              <a:t>numero</a:t>
+            </a:r>
+            <a:r>
+              <a:rPr lang="en-US" dirty="0" smtClean="0"/>
+              <a:t> </a:t>
+            </a:r>
+            <a:r>
+              <a:rPr lang="en-US" dirty="0" err="1" smtClean="0"/>
+              <a:t>telefonico</a:t>
+            </a:r>
+            <a:r>
+              <a:rPr lang="en-US" dirty="0" smtClean="0"/>
+              <a:t>, </a:t>
+            </a:r>
+            <a:r>
+              <a:rPr lang="en-US" dirty="0" err="1"/>
+              <a:t>que</a:t>
+            </a:r>
+            <a:r>
+              <a:rPr lang="en-US" dirty="0"/>
+              <a:t> </a:t>
+            </a:r>
+            <a:r>
+              <a:rPr lang="en-US" dirty="0" err="1"/>
+              <a:t>contengan</a:t>
+            </a:r>
+            <a:r>
+              <a:rPr lang="en-US" dirty="0"/>
+              <a:t> </a:t>
+            </a:r>
+            <a:r>
+              <a:rPr lang="en-US" dirty="0" smtClean="0"/>
+              <a:t>el </a:t>
+            </a:r>
+            <a:r>
+              <a:rPr lang="en-US" dirty="0" err="1" smtClean="0"/>
+              <a:t>numero</a:t>
+            </a:r>
+            <a:r>
+              <a:rPr lang="en-US" dirty="0" smtClean="0"/>
+              <a:t> 45 entre </a:t>
+            </a:r>
+            <a:r>
+              <a:rPr lang="en-US" dirty="0" err="1" smtClean="0"/>
+              <a:t>sus</a:t>
+            </a:r>
+            <a:r>
+              <a:rPr lang="en-US" dirty="0" smtClean="0"/>
+              <a:t> </a:t>
+            </a:r>
+            <a:r>
+              <a:rPr lang="en-US" dirty="0" err="1" smtClean="0"/>
+              <a:t>digitos</a:t>
+            </a:r>
+            <a:r>
+              <a:rPr lang="en-US" dirty="0" smtClean="0"/>
+              <a:t>.</a:t>
+            </a:r>
+          </a:p>
+          <a:p>
+            <a:pPr marL="342900" indent="-342900">
+              <a:buFontTx/>
+              <a:buAutoNum type="arabicParenR"/>
+            </a:pPr>
+            <a:r>
+              <a:rPr lang="en-US" dirty="0" err="1" smtClean="0"/>
+              <a:t>Filtrar</a:t>
+            </a:r>
+            <a:r>
+              <a:rPr lang="en-US" dirty="0" smtClean="0"/>
+              <a:t> </a:t>
+            </a:r>
+            <a:r>
+              <a:rPr lang="en-US" dirty="0" err="1" smtClean="0"/>
+              <a:t>por</a:t>
+            </a:r>
+            <a:r>
+              <a:rPr lang="en-US" dirty="0" smtClean="0"/>
+              <a:t> </a:t>
+            </a:r>
+            <a:r>
+              <a:rPr lang="en-US" dirty="0" err="1" smtClean="0"/>
+              <a:t>edad</a:t>
+            </a:r>
+            <a:r>
+              <a:rPr lang="en-US" dirty="0" smtClean="0"/>
+              <a:t>, entre 21 y 28.</a:t>
+            </a:r>
+          </a:p>
+          <a:p>
+            <a:pPr marL="342900" indent="-342900">
+              <a:buFontTx/>
+              <a:buAutoNum type="arabicParenR"/>
+            </a:pPr>
+            <a:r>
+              <a:rPr lang="en-US" dirty="0" err="1" smtClean="0"/>
+              <a:t>Filtrar</a:t>
+            </a:r>
+            <a:r>
+              <a:rPr lang="en-US" dirty="0" smtClean="0"/>
+              <a:t> </a:t>
+            </a:r>
+            <a:r>
+              <a:rPr lang="en-US" dirty="0" err="1" smtClean="0"/>
+              <a:t>por</a:t>
+            </a:r>
+            <a:r>
+              <a:rPr lang="en-US" dirty="0" smtClean="0"/>
+              <a:t> </a:t>
+            </a:r>
+            <a:r>
+              <a:rPr lang="en-US" dirty="0" err="1" smtClean="0"/>
+              <a:t>fecha</a:t>
+            </a:r>
+            <a:r>
+              <a:rPr lang="en-US" dirty="0" smtClean="0"/>
+              <a:t> de </a:t>
+            </a:r>
+            <a:r>
+              <a:rPr lang="en-US" dirty="0" err="1" smtClean="0"/>
+              <a:t>nacimiento</a:t>
+            </a:r>
+            <a:r>
+              <a:rPr lang="en-US" dirty="0" smtClean="0"/>
+              <a:t>, entre 1987-05-05 y 1994-02-01</a:t>
+            </a:r>
+          </a:p>
+          <a:p>
+            <a:pPr marL="342900" indent="-342900">
+              <a:buFontTx/>
+              <a:buAutoNum type="arabicParenR"/>
+            </a:pPr>
+            <a:r>
+              <a:rPr lang="en-US" dirty="0" err="1" smtClean="0"/>
+              <a:t>Realizar</a:t>
+            </a:r>
+            <a:r>
+              <a:rPr lang="en-US" dirty="0" smtClean="0"/>
+              <a:t> un </a:t>
+            </a:r>
+            <a:r>
+              <a:rPr lang="en-US" dirty="0" err="1" smtClean="0"/>
+              <a:t>formato</a:t>
+            </a:r>
+            <a:r>
+              <a:rPr lang="en-US" dirty="0" smtClean="0"/>
+              <a:t> </a:t>
+            </a:r>
+            <a:r>
+              <a:rPr lang="en-US" dirty="0" err="1" smtClean="0"/>
+              <a:t>condicional</a:t>
+            </a:r>
+            <a:r>
+              <a:rPr lang="en-US" dirty="0" smtClean="0"/>
+              <a:t> </a:t>
+            </a:r>
+            <a:r>
+              <a:rPr lang="en-US" dirty="0" err="1" smtClean="0"/>
+              <a:t>por</a:t>
+            </a:r>
+            <a:r>
+              <a:rPr lang="en-US" dirty="0" smtClean="0"/>
+              <a:t> </a:t>
+            </a:r>
+            <a:r>
+              <a:rPr lang="en-US" dirty="0" err="1" smtClean="0"/>
+              <a:t>encima</a:t>
+            </a:r>
+            <a:r>
+              <a:rPr lang="en-US" dirty="0" smtClean="0"/>
+              <a:t> del </a:t>
+            </a:r>
+            <a:r>
+              <a:rPr lang="en-US" dirty="0" err="1" smtClean="0"/>
+              <a:t>promedio</a:t>
+            </a:r>
+            <a:r>
+              <a:rPr lang="en-US" dirty="0" smtClean="0"/>
+              <a:t>.</a:t>
+            </a:r>
+          </a:p>
+          <a:p>
+            <a:pPr marL="342900" indent="-342900">
+              <a:buFontTx/>
+              <a:buAutoNum type="arabicParenR"/>
+            </a:pPr>
+            <a:r>
+              <a:rPr lang="en-US" dirty="0" err="1" smtClean="0"/>
+              <a:t>Realizar</a:t>
+            </a:r>
+            <a:r>
+              <a:rPr lang="en-US" dirty="0" smtClean="0"/>
+              <a:t> el </a:t>
+            </a:r>
+            <a:r>
+              <a:rPr lang="en-US" dirty="0" err="1" smtClean="0"/>
+              <a:t>filtro</a:t>
+            </a:r>
+            <a:r>
+              <a:rPr lang="en-US" dirty="0" smtClean="0"/>
+              <a:t> </a:t>
+            </a:r>
+            <a:r>
+              <a:rPr lang="en-US" dirty="0" err="1" smtClean="0"/>
+              <a:t>avanzado</a:t>
+            </a:r>
+            <a:r>
+              <a:rPr lang="en-US" dirty="0" smtClean="0"/>
+              <a:t> de </a:t>
+            </a:r>
+            <a:r>
+              <a:rPr lang="en-US" dirty="0" err="1" smtClean="0"/>
+              <a:t>las</a:t>
+            </a:r>
+            <a:r>
+              <a:rPr lang="en-US" dirty="0" smtClean="0"/>
+              <a:t> </a:t>
+            </a:r>
+            <a:r>
+              <a:rPr lang="en-US" dirty="0" err="1" smtClean="0"/>
+              <a:t>celdas</a:t>
+            </a:r>
+            <a:r>
+              <a:rPr lang="en-US" dirty="0" smtClean="0"/>
+              <a:t> en la parte </a:t>
+            </a:r>
+            <a:r>
+              <a:rPr lang="en-US" dirty="0" err="1" smtClean="0"/>
+              <a:t>derecha</a:t>
+            </a:r>
+            <a:r>
+              <a:rPr lang="en-US" dirty="0" smtClean="0"/>
+              <a:t>.</a:t>
+            </a:r>
+          </a:p>
+          <a:p>
+            <a:pPr marL="342900" indent="-342900">
+              <a:buFontTx/>
+              <a:buAutoNum type="arabicParenR"/>
+            </a:pPr>
+            <a:r>
+              <a:rPr lang="en-US" dirty="0" err="1" smtClean="0"/>
+              <a:t>Ordenar</a:t>
+            </a:r>
+            <a:r>
+              <a:rPr lang="en-US" dirty="0" smtClean="0"/>
+              <a:t> de </a:t>
+            </a:r>
+            <a:r>
+              <a:rPr lang="en-US" dirty="0" err="1" smtClean="0"/>
+              <a:t>manera</a:t>
+            </a:r>
+            <a:r>
+              <a:rPr lang="en-US" dirty="0" smtClean="0"/>
+              <a:t> de </a:t>
+            </a:r>
+            <a:r>
+              <a:rPr lang="en-US" dirty="0" err="1" smtClean="0"/>
+              <a:t>apellido</a:t>
+            </a:r>
+            <a:r>
+              <a:rPr lang="en-US" dirty="0" smtClean="0"/>
+              <a:t> </a:t>
+            </a:r>
+            <a:r>
+              <a:rPr lang="en-US" dirty="0" err="1" smtClean="0"/>
+              <a:t>ascendente</a:t>
+            </a:r>
+            <a:r>
+              <a:rPr lang="en-US" dirty="0" smtClean="0"/>
+              <a:t>.</a:t>
+            </a:r>
+          </a:p>
+          <a:p>
+            <a:endParaRPr lang="en-US" dirty="0"/>
+          </a:p>
+          <a:p>
+            <a:endParaRPr lang="en-US" dirty="0" smtClean="0"/>
+          </a:p>
+          <a:p>
+            <a:endParaRPr lang="en-US" dirty="0"/>
+          </a:p>
+          <a:p>
+            <a:r>
+              <a:rPr lang="en-US" dirty="0" err="1" smtClean="0"/>
+              <a:t>Enviar</a:t>
+            </a:r>
+            <a:r>
+              <a:rPr lang="en-US" dirty="0" smtClean="0"/>
+              <a:t> los </a:t>
+            </a:r>
+            <a:r>
+              <a:rPr lang="en-US" dirty="0" err="1" smtClean="0"/>
+              <a:t>datos</a:t>
+            </a:r>
+            <a:r>
+              <a:rPr lang="en-US" dirty="0" smtClean="0"/>
+              <a:t> </a:t>
+            </a:r>
+            <a:r>
+              <a:rPr lang="en-US" dirty="0" err="1" smtClean="0"/>
+              <a:t>filtrados</a:t>
+            </a:r>
+            <a:r>
+              <a:rPr lang="en-US" dirty="0" smtClean="0"/>
+              <a:t> </a:t>
+            </a:r>
+            <a:r>
+              <a:rPr lang="en-US" dirty="0" err="1" smtClean="0"/>
+              <a:t>por</a:t>
+            </a:r>
+            <a:r>
+              <a:rPr lang="en-US" dirty="0" smtClean="0"/>
+              <a:t> </a:t>
+            </a:r>
+            <a:r>
+              <a:rPr lang="en-US" dirty="0" err="1" smtClean="0"/>
+              <a:t>correo</a:t>
+            </a:r>
+            <a:r>
+              <a:rPr lang="en-US" dirty="0" smtClean="0"/>
+              <a:t>.</a:t>
+            </a:r>
+          </a:p>
+          <a:p>
+            <a:pPr marL="342900" indent="-342900">
+              <a:buFontTx/>
+              <a:buAutoNum type="arabicParenR"/>
+            </a:pPr>
+            <a:endParaRPr lang="en-US" dirty="0" smtClean="0"/>
+          </a:p>
+          <a:p>
+            <a:pPr marL="342900" indent="-342900">
+              <a:buFontTx/>
+              <a:buAutoNum type="arabicParenR"/>
+            </a:pPr>
+            <a:endParaRPr lang="en-US" dirty="0"/>
+          </a:p>
+          <a:p>
+            <a:pPr marL="342900" indent="-342900">
+              <a:buAutoNum type="arabicParenR"/>
+            </a:pPr>
+            <a:endParaRPr lang="en-US" dirty="0" smtClean="0"/>
+          </a:p>
+          <a:p>
+            <a:pPr marL="342900" indent="-342900">
+              <a:buAutoNum type="arabicParenR"/>
+            </a:pPr>
+            <a:endParaRPr lang="en-US" dirty="0" smtClean="0"/>
+          </a:p>
+          <a:p>
+            <a:pPr marL="342900" indent="-342900">
+              <a:buAutoNum type="arabicParenR"/>
+            </a:pPr>
+            <a:endParaRPr lang="es-ES" dirty="0"/>
+          </a:p>
+        </p:txBody>
+      </p:sp>
+    </p:spTree>
+    <p:extLst>
+      <p:ext uri="{BB962C8B-B14F-4D97-AF65-F5344CB8AC3E}">
+        <p14:creationId xmlns:p14="http://schemas.microsoft.com/office/powerpoint/2010/main" val="1121977055"/>
+      </p:ext>
+    </p:extLst>
+  </p:cSld>
+  <p:clrMapOvr>
+    <a:masterClrMapping/>
+  </p:clrMapOvr>
+  <p:timing>
+    <p:tnLst>
+      <p:par>
+        <p:cTn id="1" dur="indefinite" restart="never" nodeType="tmRoot"/>
+      </p:par>
+    </p:tnLst>
+  </p:timing>
+</p:sld>
+</file>
+
+<file path=ppt/slides/slide2.xml><?xml version="1.0" encoding="utf-8"?>
+<p:sld xmlns:a="http://schemas.openxmlformats.org/drawingml/2006/main" xmlns:r="http://schemas.openxmlformats.org/officeDocument/2006/relationships" xmlns:p="http://schemas.openxmlformats.org/presentationml/2006/main">
+  <p:cSld>
+    <p:spTree>
+      <p:nvGrpSpPr>
+        <p:cNvPr id="1" name=""/>
+        <p:cNvGrpSpPr/>
+        <p:nvPr/>
+      </p:nvGrpSpPr>
+      <p:grpSpPr>
+        <a:xfrm>
+          <a:off x="0" y="0"/>
+          <a:ext cx="0" cy="0"/>
+          <a:chOff x="0" y="0"/>
+          <a:chExt cx="0" cy="0"/>
+        </a:xfrm>
+      </p:grpSpPr>
+      <p:sp>
+        <p:nvSpPr>
+          <p:cNvPr id="4" name="3 CuadroTexto"/>
+          <p:cNvSpPr txBox="1"/>
+          <p:nvPr/>
+        </p:nvSpPr>
+        <p:spPr>
+          <a:xfrm>
+            <a:off x="457200" y="304800"/>
+            <a:ext cx="8382000" cy="1200329"/>
+          </a:xfrm>
+          <a:prstGeom prst="rect">
+            <a:avLst/>
+          </a:prstGeom>
+          <a:noFill/>
+        </p:spPr>
+        <p:txBody>
+          <a:bodyPr wrap="square" rtlCol="0">
+            <a:spAutoFit/>
+          </a:bodyPr>
+          <a:lstStyle/>
+          <a:p>
+            <a:r>
+              <a:rPr lang="es-ES" sz="2400" dirty="0"/>
+              <a:t>Para crear un filtro podemos utilizar el comando Filtro que </a:t>
+            </a:r>
+            <a:r>
+              <a:rPr lang="es-ES" sz="2400" dirty="0" smtClean="0"/>
+              <a:t>se encuentra </a:t>
+            </a:r>
+            <a:r>
+              <a:rPr lang="es-ES" sz="2400" dirty="0"/>
+              <a:t>en la ficha Datos dentro del grupo Ordenar </a:t>
+            </a:r>
+            <a:r>
+              <a:rPr lang="es-ES" sz="2400" dirty="0" smtClean="0"/>
+              <a:t>y filtrar.</a:t>
+            </a:r>
+          </a:p>
+        </p:txBody>
+      </p:sp>
+      <p:pic>
+        <p:nvPicPr>
+          <p:cNvPr id="5" name="4 Imagen"/>
+          <p:cNvPicPr>
+            <a:picLocks noChangeAspect="1"/>
+          </p:cNvPicPr>
+          <p:nvPr/>
+        </p:nvPicPr>
+        <p:blipFill>
+          <a:blip r:embed="rId2" cstate="print">
+            <a:extLst>
+              <a:ext uri="{28A0092B-C50C-407E-A947-70E740481C1C}">
+                <a14:useLocalDpi xmlns:a14="http://schemas.microsoft.com/office/drawing/2010/main" val="0"/>
+              </a:ext>
+            </a:extLst>
+          </a:blip>
+          <a:stretch>
+            <a:fillRect/>
+          </a:stretch>
+        </p:blipFill>
+        <p:spPr>
+          <a:xfrm>
+            <a:off x="609600" y="1600200"/>
+            <a:ext cx="7772400" cy="1295400"/>
+          </a:xfrm>
+          <a:prstGeom prst="rect">
+            <a:avLst/>
+          </a:prstGeom>
+        </p:spPr>
+      </p:pic>
+      <p:sp>
+        <p:nvSpPr>
+          <p:cNvPr id="6" name="2 Subtítulo"/>
+          <p:cNvSpPr>
+            <a:spLocks noGrp="1"/>
+          </p:cNvSpPr>
+          <p:nvPr>
+            <p:ph type="subTitle"/>
+          </p:nvPr>
+        </p:nvSpPr>
+        <p:spPr>
+          <a:xfrm>
+            <a:off x="457200" y="3048000"/>
+            <a:ext cx="8229240" cy="1447800"/>
+          </a:xfrm>
+        </p:spPr>
+        <p:txBody>
+          <a:bodyPr/>
+          <a:lstStyle/>
+          <a:p>
+            <a:r>
+              <a:rPr lang="en-US" sz="2400" dirty="0" err="1" smtClean="0"/>
+              <a:t>Otra</a:t>
+            </a:r>
+            <a:r>
+              <a:rPr lang="en-US" sz="2400" dirty="0" smtClean="0"/>
+              <a:t> forma de </a:t>
+            </a:r>
+            <a:r>
+              <a:rPr lang="en-US" sz="2400" dirty="0" err="1" smtClean="0"/>
+              <a:t>llegar</a:t>
+            </a:r>
+            <a:r>
+              <a:rPr lang="en-US" sz="2400" dirty="0" smtClean="0"/>
+              <a:t>  al </a:t>
+            </a:r>
+            <a:r>
+              <a:rPr lang="en-US" sz="2400" dirty="0" err="1" smtClean="0"/>
+              <a:t>filtro</a:t>
+            </a:r>
+            <a:r>
+              <a:rPr lang="en-US" sz="2400" dirty="0" smtClean="0"/>
+              <a:t> </a:t>
+            </a:r>
+            <a:r>
+              <a:rPr lang="en-US" sz="2400" dirty="0" err="1" smtClean="0"/>
+              <a:t>es</a:t>
+            </a:r>
+            <a:r>
+              <a:rPr lang="en-US" sz="2400" dirty="0" smtClean="0"/>
+              <a:t> </a:t>
+            </a:r>
+            <a:r>
+              <a:rPr lang="en-US" sz="2400" dirty="0" err="1" smtClean="0"/>
+              <a:t>por</a:t>
+            </a:r>
+            <a:r>
+              <a:rPr lang="en-US" sz="2400" dirty="0" smtClean="0"/>
+              <a:t> </a:t>
+            </a:r>
+            <a:r>
+              <a:rPr lang="en-US" sz="2400" dirty="0" err="1" smtClean="0"/>
+              <a:t>medio</a:t>
+            </a:r>
+            <a:r>
+              <a:rPr lang="en-US" sz="2400" dirty="0" smtClean="0"/>
+              <a:t> de </a:t>
+            </a:r>
+            <a:r>
+              <a:rPr lang="en-US" sz="2400" dirty="0" err="1" smtClean="0"/>
+              <a:t>inicio</a:t>
+            </a:r>
+            <a:r>
+              <a:rPr lang="en-US" sz="2400" dirty="0" smtClean="0"/>
+              <a:t>, y </a:t>
+            </a:r>
+            <a:r>
+              <a:rPr lang="en-US" sz="2400" dirty="0" err="1" smtClean="0"/>
+              <a:t>nos</a:t>
+            </a:r>
+            <a:r>
+              <a:rPr lang="en-US" sz="2400" dirty="0" smtClean="0"/>
+              <a:t> </a:t>
+            </a:r>
+            <a:r>
+              <a:rPr lang="en-US" sz="2400" dirty="0" err="1" smtClean="0"/>
+              <a:t>dirigimos</a:t>
+            </a:r>
+            <a:r>
+              <a:rPr lang="en-US" sz="2400" dirty="0" smtClean="0"/>
+              <a:t> al final </a:t>
+            </a:r>
+            <a:r>
+              <a:rPr lang="en-US" sz="2400" dirty="0" err="1" smtClean="0"/>
+              <a:t>presionando</a:t>
+            </a:r>
+            <a:r>
+              <a:rPr lang="en-US" sz="2400" dirty="0" smtClean="0"/>
+              <a:t> el </a:t>
+            </a:r>
+            <a:r>
+              <a:rPr lang="en-US" sz="2400" dirty="0" err="1" smtClean="0"/>
+              <a:t>icono</a:t>
+            </a:r>
+            <a:r>
+              <a:rPr lang="en-US" sz="2400" dirty="0" smtClean="0"/>
+              <a:t> </a:t>
+            </a:r>
+            <a:r>
+              <a:rPr lang="en-US" sz="2400" dirty="0" err="1" smtClean="0"/>
+              <a:t>que</a:t>
+            </a:r>
+            <a:r>
+              <a:rPr lang="en-US" sz="2400" dirty="0" smtClean="0"/>
+              <a:t> </a:t>
+            </a:r>
+            <a:r>
+              <a:rPr lang="en-US" sz="2400" dirty="0" err="1" smtClean="0"/>
+              <a:t>indica</a:t>
+            </a:r>
+            <a:r>
+              <a:rPr lang="en-US" sz="2400" dirty="0" smtClean="0"/>
+              <a:t>, </a:t>
+            </a:r>
+            <a:r>
+              <a:rPr lang="en-US" sz="2400" dirty="0" err="1" smtClean="0"/>
+              <a:t>ordenar</a:t>
+            </a:r>
+            <a:r>
+              <a:rPr lang="en-US" sz="2400" dirty="0" smtClean="0"/>
+              <a:t> y </a:t>
+            </a:r>
+            <a:r>
+              <a:rPr lang="en-US" sz="2400" dirty="0" err="1" smtClean="0"/>
+              <a:t>filtrar</a:t>
+            </a:r>
+            <a:r>
+              <a:rPr lang="en-US" sz="2400" dirty="0" smtClean="0"/>
+              <a:t>. Al </a:t>
+            </a:r>
+            <a:r>
+              <a:rPr lang="en-US" sz="2400" dirty="0" err="1" smtClean="0"/>
+              <a:t>presionar</a:t>
+            </a:r>
+            <a:r>
+              <a:rPr lang="en-US" sz="2400" dirty="0" smtClean="0"/>
+              <a:t> </a:t>
+            </a:r>
+            <a:r>
+              <a:rPr lang="en-US" sz="2400" dirty="0" err="1" smtClean="0"/>
+              <a:t>sobre</a:t>
+            </a:r>
+            <a:r>
+              <a:rPr lang="en-US" sz="2400" dirty="0" smtClean="0"/>
+              <a:t> el se </a:t>
+            </a:r>
+            <a:r>
+              <a:rPr lang="en-US" sz="2400" dirty="0" err="1" smtClean="0"/>
+              <a:t>presenta</a:t>
+            </a:r>
+            <a:r>
+              <a:rPr lang="en-US" sz="2400" dirty="0" smtClean="0"/>
+              <a:t> lo </a:t>
+            </a:r>
+            <a:r>
+              <a:rPr lang="en-US" sz="2400" dirty="0" err="1" smtClean="0"/>
+              <a:t>siguiente</a:t>
+            </a:r>
+            <a:r>
+              <a:rPr lang="en-US" sz="2400" dirty="0" smtClean="0"/>
+              <a:t>:</a:t>
+            </a:r>
+            <a:endParaRPr lang="es-ES" sz="2400" dirty="0"/>
+          </a:p>
+        </p:txBody>
+      </p:sp>
+      <p:pic>
+        <p:nvPicPr>
+          <p:cNvPr id="7" name="6 Imagen"/>
+          <p:cNvPicPr>
+            <a:picLocks noChangeAspect="1"/>
+          </p:cNvPicPr>
+          <p:nvPr/>
+        </p:nvPicPr>
+        <p:blipFill>
+          <a:blip r:embed="rId3">
+            <a:extLst>
+              <a:ext uri="{28A0092B-C50C-407E-A947-70E740481C1C}">
+                <a14:useLocalDpi xmlns:a14="http://schemas.microsoft.com/office/drawing/2010/main" val="0"/>
+              </a:ext>
+            </a:extLst>
+          </a:blip>
+          <a:stretch>
+            <a:fillRect/>
+          </a:stretch>
+        </p:blipFill>
+        <p:spPr>
+          <a:xfrm>
+            <a:off x="419100" y="4495800"/>
+            <a:ext cx="8153400" cy="2209800"/>
+          </a:xfrm>
+          <a:prstGeom prst="rect">
+            <a:avLst/>
+          </a:prstGeom>
+        </p:spPr>
+      </p:pic>
+    </p:spTree>
+    <p:extLst>
+      <p:ext uri="{BB962C8B-B14F-4D97-AF65-F5344CB8AC3E}">
+        <p14:creationId xmlns:p14="http://schemas.microsoft.com/office/powerpoint/2010/main" val="3133132111"/>
+      </p:ext>
+    </p:extLst>
+  </p:cSld>
+  <p:clrMapOvr>
+    <a:masterClrMapping/>
+  </p:clrMapOvr>
+  <p:timing>
+    <p:tnLst>
+      <p:par>
+        <p:cTn id="1" dur="indefinite" restart="never" nodeType="tmRoot"/>
+      </p:par>
+    </p:tnLst>
+  </p:timing>
+</p:sld>
+</file>
+
+<file path=ppt/slides/slide3.xml><?xml version="1.0" encoding="utf-8"?>
+<p:sld xmlns:a="http://schemas.openxmlformats.org/drawingml/2006/main" xmlns:r="http://schemas.openxmlformats.org/officeDocument/2006/relationships" xmlns:p="http://schemas.openxmlformats.org/presentationml/2006/main">
+  <p:cSld>
+    <p:spTree>
+      <p:nvGrpSpPr>
+        <p:cNvPr id="1" name=""/>
+        <p:cNvGrpSpPr/>
+        <p:nvPr/>
+      </p:nvGrpSpPr>
+      <p:grpSpPr>
+        <a:xfrm>
+          <a:off x="0" y="0"/>
+          <a:ext cx="0" cy="0"/>
+          <a:chOff x="0" y="0"/>
+          <a:chExt cx="0" cy="0"/>
+        </a:xfrm>
+      </p:grpSpPr>
+      <p:sp>
+        <p:nvSpPr>
+          <p:cNvPr id="6" name="5 CuadroTexto"/>
+          <p:cNvSpPr txBox="1"/>
+          <p:nvPr/>
+        </p:nvSpPr>
+        <p:spPr>
+          <a:xfrm>
+            <a:off x="304800" y="228600"/>
+            <a:ext cx="8610600" cy="1200329"/>
+          </a:xfrm>
+          <a:prstGeom prst="rect">
+            <a:avLst/>
+          </a:prstGeom>
+          <a:noFill/>
+        </p:spPr>
+        <p:txBody>
+          <a:bodyPr wrap="square" rtlCol="0">
+            <a:spAutoFit/>
+          </a:bodyPr>
+          <a:lstStyle/>
+          <a:p>
+            <a:r>
+              <a:rPr lang="en-US" sz="2400" dirty="0" smtClean="0"/>
+              <a:t>Si </a:t>
+            </a:r>
+            <a:r>
+              <a:rPr lang="en-US" sz="2400" dirty="0" err="1" smtClean="0"/>
+              <a:t>tenemos</a:t>
+            </a:r>
+            <a:r>
+              <a:rPr lang="en-US" sz="2400" dirty="0" smtClean="0"/>
+              <a:t> </a:t>
+            </a:r>
+            <a:r>
+              <a:rPr lang="en-US" sz="2400" dirty="0" err="1" smtClean="0"/>
+              <a:t>una</a:t>
+            </a:r>
+            <a:r>
+              <a:rPr lang="en-US" sz="2400" dirty="0" smtClean="0"/>
+              <a:t> </a:t>
+            </a:r>
+            <a:r>
+              <a:rPr lang="en-US" sz="2400" dirty="0" err="1" smtClean="0"/>
+              <a:t>matriz</a:t>
+            </a:r>
+            <a:r>
+              <a:rPr lang="en-US" sz="2400" dirty="0" smtClean="0"/>
+              <a:t> en excel, lo </a:t>
+            </a:r>
+            <a:r>
+              <a:rPr lang="en-US" sz="2400" dirty="0" err="1" smtClean="0"/>
+              <a:t>que</a:t>
+            </a:r>
+            <a:r>
+              <a:rPr lang="en-US" sz="2400" dirty="0" smtClean="0"/>
+              <a:t> </a:t>
+            </a:r>
+            <a:r>
+              <a:rPr lang="en-US" sz="2400" dirty="0" err="1" smtClean="0"/>
+              <a:t>tenemos</a:t>
+            </a:r>
+            <a:r>
+              <a:rPr lang="en-US" sz="2400" dirty="0" smtClean="0"/>
+              <a:t> </a:t>
+            </a:r>
+            <a:r>
+              <a:rPr lang="en-US" sz="2400" dirty="0" err="1" smtClean="0"/>
+              <a:t>que</a:t>
+            </a:r>
+            <a:r>
+              <a:rPr lang="en-US" sz="2400" dirty="0" smtClean="0"/>
+              <a:t> </a:t>
+            </a:r>
+            <a:r>
+              <a:rPr lang="en-US" sz="2400" dirty="0" err="1" smtClean="0"/>
+              <a:t>hacer</a:t>
+            </a:r>
+            <a:r>
+              <a:rPr lang="en-US" sz="2400" dirty="0" smtClean="0"/>
+              <a:t> </a:t>
+            </a:r>
+            <a:r>
+              <a:rPr lang="en-US" sz="2400" dirty="0" err="1" smtClean="0"/>
+              <a:t>es</a:t>
+            </a:r>
+            <a:r>
+              <a:rPr lang="en-US" sz="2400" dirty="0" smtClean="0"/>
+              <a:t> </a:t>
+            </a:r>
+            <a:r>
+              <a:rPr lang="en-US" sz="2400" dirty="0" err="1" smtClean="0"/>
+              <a:t>seleccionar</a:t>
+            </a:r>
+            <a:r>
+              <a:rPr lang="en-US" sz="2400" dirty="0" smtClean="0"/>
+              <a:t> el </a:t>
+            </a:r>
+            <a:r>
+              <a:rPr lang="en-US" sz="2400" dirty="0" err="1" smtClean="0"/>
+              <a:t>encabezado</a:t>
+            </a:r>
+            <a:r>
+              <a:rPr lang="en-US" sz="2400" dirty="0" smtClean="0"/>
+              <a:t>, y </a:t>
+            </a:r>
+            <a:r>
+              <a:rPr lang="en-US" sz="2400" dirty="0" err="1" smtClean="0"/>
+              <a:t>luego</a:t>
+            </a:r>
+            <a:r>
+              <a:rPr lang="en-US" sz="2400" dirty="0" smtClean="0"/>
+              <a:t>, </a:t>
+            </a:r>
+            <a:r>
+              <a:rPr lang="en-US" sz="2400" dirty="0" err="1" smtClean="0"/>
+              <a:t>hacer</a:t>
+            </a:r>
+            <a:r>
+              <a:rPr lang="en-US" sz="2400" dirty="0" smtClean="0"/>
+              <a:t> click en </a:t>
+            </a:r>
+            <a:r>
+              <a:rPr lang="en-US" sz="2400" dirty="0" err="1" smtClean="0"/>
+              <a:t>Filtro</a:t>
+            </a:r>
+            <a:r>
+              <a:rPr lang="en-US" sz="2400" dirty="0" smtClean="0"/>
+              <a:t>. </a:t>
+            </a:r>
+            <a:r>
+              <a:rPr lang="en-US" sz="2400" dirty="0" err="1" smtClean="0"/>
+              <a:t>Nos</a:t>
+            </a:r>
+            <a:r>
+              <a:rPr lang="en-US" sz="2400" dirty="0" smtClean="0"/>
+              <a:t> </a:t>
+            </a:r>
+            <a:r>
+              <a:rPr lang="en-US" sz="2400" dirty="0" err="1" smtClean="0"/>
+              <a:t>va</a:t>
+            </a:r>
+            <a:r>
+              <a:rPr lang="en-US" sz="2400" dirty="0" smtClean="0"/>
+              <a:t> a </a:t>
+            </a:r>
+            <a:r>
+              <a:rPr lang="en-US" sz="2400" dirty="0" err="1" smtClean="0"/>
+              <a:t>colocar</a:t>
+            </a:r>
+            <a:r>
+              <a:rPr lang="en-US" sz="2400" dirty="0" smtClean="0"/>
+              <a:t> </a:t>
+            </a:r>
+            <a:r>
+              <a:rPr lang="en-US" sz="2400" dirty="0" err="1" smtClean="0"/>
+              <a:t>las</a:t>
+            </a:r>
+            <a:r>
+              <a:rPr lang="en-US" sz="2400" dirty="0" smtClean="0"/>
+              <a:t> </a:t>
+            </a:r>
+            <a:r>
+              <a:rPr lang="en-US" sz="2400" dirty="0" err="1" smtClean="0"/>
+              <a:t>siguientes</a:t>
+            </a:r>
+            <a:r>
+              <a:rPr lang="en-US" sz="2400" dirty="0" smtClean="0"/>
+              <a:t> </a:t>
+            </a:r>
+            <a:r>
+              <a:rPr lang="en-US" sz="2400" dirty="0" err="1" smtClean="0"/>
+              <a:t>combobox</a:t>
+            </a:r>
+            <a:r>
+              <a:rPr lang="en-US" sz="2400" dirty="0" smtClean="0"/>
+              <a:t> en </a:t>
+            </a:r>
+            <a:r>
+              <a:rPr lang="en-US" sz="2400" dirty="0" err="1" smtClean="0"/>
+              <a:t>cada</a:t>
+            </a:r>
+            <a:r>
+              <a:rPr lang="en-US" sz="2400" dirty="0" smtClean="0"/>
+              <a:t> </a:t>
+            </a:r>
+            <a:r>
+              <a:rPr lang="en-US" sz="2400" dirty="0" err="1" smtClean="0"/>
+              <a:t>encabezado</a:t>
+            </a:r>
+            <a:r>
+              <a:rPr lang="en-US" sz="2400" dirty="0" smtClean="0"/>
+              <a:t>.</a:t>
+            </a:r>
+            <a:endParaRPr lang="es-ES" sz="2400" dirty="0"/>
+          </a:p>
+        </p:txBody>
+      </p:sp>
+      <p:pic>
+        <p:nvPicPr>
+          <p:cNvPr id="8" name="7 Imagen"/>
+          <p:cNvPicPr>
+            <a:picLocks noChangeAspect="1"/>
+          </p:cNvPicPr>
+          <p:nvPr/>
+        </p:nvPicPr>
+        <p:blipFill>
+          <a:blip r:embed="rId2">
+            <a:extLst>
+              <a:ext uri="{28A0092B-C50C-407E-A947-70E740481C1C}">
+                <a14:useLocalDpi xmlns:a14="http://schemas.microsoft.com/office/drawing/2010/main" val="0"/>
+              </a:ext>
+            </a:extLst>
+          </a:blip>
+          <a:stretch>
+            <a:fillRect/>
+          </a:stretch>
+        </p:blipFill>
+        <p:spPr>
+          <a:xfrm>
+            <a:off x="685800" y="1905000"/>
+            <a:ext cx="7543800" cy="4648200"/>
+          </a:xfrm>
+          <a:prstGeom prst="rect">
+            <a:avLst/>
+          </a:prstGeom>
+        </p:spPr>
+      </p:pic>
+    </p:spTree>
+    <p:extLst>
+      <p:ext uri="{BB962C8B-B14F-4D97-AF65-F5344CB8AC3E}">
+        <p14:creationId xmlns:p14="http://schemas.microsoft.com/office/powerpoint/2010/main" val="1575160127"/>
+      </p:ext>
+    </p:extLst>
+  </p:cSld>
+  <p:clrMapOvr>
+    <a:masterClrMapping/>
+  </p:clrMapOvr>
+  <p:timing>
+    <p:tnLst>
+      <p:par>
+        <p:cTn id="1" dur="indefinite" restart="never" nodeType="tmRoot"/>
+      </p:par>
+    </p:tnLst>
+  </p:timing>
+</p:sld>
+</file>
+
+<file path=ppt/slides/slide4.xml><?xml version="1.0" encoding="utf-8"?>
+<p:sld xmlns:a="http://schemas.openxmlformats.org/drawingml/2006/main" xmlns:r="http://schemas.openxmlformats.org/officeDocument/2006/relationships" xmlns:p="http://schemas.openxmlformats.org/presentationml/2006/main">
+  <p:cSld>
+    <p:spTree>
+      <p:nvGrpSpPr>
+        <p:cNvPr id="1" name=""/>
+        <p:cNvGrpSpPr/>
+        <p:nvPr/>
+      </p:nvGrpSpPr>
+      <p:grpSpPr>
+        <a:xfrm>
+          <a:off x="0" y="0"/>
+          <a:ext cx="0" cy="0"/>
+          <a:chOff x="0" y="0"/>
+          <a:chExt cx="0" cy="0"/>
+        </a:xfrm>
+      </p:grpSpPr>
+      <p:sp>
+        <p:nvSpPr>
+          <p:cNvPr id="2" name="1 CuadroTexto"/>
+          <p:cNvSpPr txBox="1"/>
+          <p:nvPr/>
+        </p:nvSpPr>
+        <p:spPr>
+          <a:xfrm>
+            <a:off x="304800" y="228600"/>
+            <a:ext cx="8610600" cy="830997"/>
+          </a:xfrm>
+          <a:prstGeom prst="rect">
+            <a:avLst/>
+          </a:prstGeom>
+          <a:noFill/>
+        </p:spPr>
+        <p:txBody>
+          <a:bodyPr wrap="square" rtlCol="0">
+            <a:spAutoFit/>
+          </a:bodyPr>
+          <a:lstStyle/>
+          <a:p>
+            <a:r>
+              <a:rPr lang="en-US" sz="2400" dirty="0" smtClean="0"/>
+              <a:t>Al </a:t>
+            </a:r>
+            <a:r>
+              <a:rPr lang="en-US" sz="2400" dirty="0" err="1" smtClean="0"/>
+              <a:t>realizar</a:t>
+            </a:r>
+            <a:r>
+              <a:rPr lang="en-US" sz="2400" dirty="0" smtClean="0"/>
+              <a:t> el </a:t>
+            </a:r>
+            <a:r>
+              <a:rPr lang="en-US" sz="2400" dirty="0" err="1" smtClean="0"/>
+              <a:t>filtro</a:t>
+            </a:r>
+            <a:r>
+              <a:rPr lang="en-US" sz="2400" dirty="0" smtClean="0"/>
+              <a:t>, en el </a:t>
+            </a:r>
+            <a:r>
+              <a:rPr lang="en-US" sz="2400" dirty="0" err="1" smtClean="0"/>
+              <a:t>vendedor</a:t>
+            </a:r>
+            <a:r>
+              <a:rPr lang="en-US" sz="2400" dirty="0" smtClean="0"/>
+              <a:t> </a:t>
+            </a:r>
+            <a:r>
+              <a:rPr lang="en-US" sz="2400" dirty="0" err="1" smtClean="0"/>
+              <a:t>luis</a:t>
+            </a:r>
+            <a:r>
+              <a:rPr lang="en-US" sz="2400" dirty="0" smtClean="0"/>
+              <a:t>, </a:t>
+            </a:r>
+            <a:r>
+              <a:rPr lang="en-US" sz="2400" dirty="0" err="1" smtClean="0"/>
+              <a:t>nos</a:t>
+            </a:r>
+            <a:r>
+              <a:rPr lang="en-US" sz="2400" dirty="0" smtClean="0"/>
+              <a:t> </a:t>
+            </a:r>
+            <a:r>
+              <a:rPr lang="en-US" sz="2400" dirty="0" err="1" smtClean="0"/>
+              <a:t>debe</a:t>
+            </a:r>
+            <a:r>
+              <a:rPr lang="en-US" sz="2400" dirty="0" smtClean="0"/>
+              <a:t> </a:t>
+            </a:r>
+            <a:r>
+              <a:rPr lang="en-US" sz="2400" dirty="0" err="1" smtClean="0"/>
+              <a:t>quedar</a:t>
+            </a:r>
+            <a:r>
+              <a:rPr lang="en-US" sz="2400" dirty="0" smtClean="0"/>
+              <a:t>, solo la </a:t>
+            </a:r>
+            <a:r>
+              <a:rPr lang="en-US" sz="2400" dirty="0" err="1" smtClean="0"/>
+              <a:t>siguiente</a:t>
+            </a:r>
+            <a:r>
+              <a:rPr lang="en-US" sz="2400" dirty="0" smtClean="0"/>
+              <a:t> </a:t>
+            </a:r>
+            <a:r>
+              <a:rPr lang="en-US" sz="2400" dirty="0" err="1" smtClean="0"/>
+              <a:t>informacion</a:t>
+            </a:r>
+            <a:r>
+              <a:rPr lang="en-US" sz="2400" dirty="0" smtClean="0"/>
+              <a:t>.</a:t>
+            </a:r>
+            <a:endParaRPr lang="es-ES" sz="2400" dirty="0"/>
+          </a:p>
+        </p:txBody>
+      </p:sp>
+      <p:pic>
+        <p:nvPicPr>
+          <p:cNvPr id="4" name="3 Imagen"/>
+          <p:cNvPicPr>
+            <a:picLocks noChangeAspect="1"/>
+          </p:cNvPicPr>
+          <p:nvPr/>
+        </p:nvPicPr>
+        <p:blipFill>
+          <a:blip r:embed="rId2">
+            <a:extLst>
+              <a:ext uri="{28A0092B-C50C-407E-A947-70E740481C1C}">
+                <a14:useLocalDpi xmlns:a14="http://schemas.microsoft.com/office/drawing/2010/main" val="0"/>
+              </a:ext>
+            </a:extLst>
+          </a:blip>
+          <a:stretch>
+            <a:fillRect/>
+          </a:stretch>
+        </p:blipFill>
+        <p:spPr>
+          <a:xfrm>
+            <a:off x="494874" y="1219200"/>
+            <a:ext cx="8039526" cy="2514600"/>
+          </a:xfrm>
+          <a:prstGeom prst="rect">
+            <a:avLst/>
+          </a:prstGeom>
+        </p:spPr>
+      </p:pic>
+    </p:spTree>
+    <p:extLst>
+      <p:ext uri="{BB962C8B-B14F-4D97-AF65-F5344CB8AC3E}">
+        <p14:creationId xmlns:p14="http://schemas.microsoft.com/office/powerpoint/2010/main" val="2134376720"/>
+      </p:ext>
+    </p:extLst>
+  </p:cSld>
+  <p:clrMapOvr>
+    <a:masterClrMapping/>
+  </p:clrMapOvr>
+  <p:timing>
+    <p:tnLst>
+      <p:par>
+        <p:cTn id="1" dur="indefinite" restart="never" nodeType="tmRoot"/>
+      </p:par>
+    </p:tnLst>
+  </p:timing>
+</p:sld>
+</file>
+
+<file path=ppt/slides/slide5.xml><?xml version="1.0" encoding="utf-8"?>
+<p:sld xmlns:a="http://schemas.openxmlformats.org/drawingml/2006/main" xmlns:r="http://schemas.openxmlformats.org/officeDocument/2006/relationships" xmlns:p="http://schemas.openxmlformats.org/presentationml/2006/main">
+  <p:cSld>
+    <p:spTree>
+      <p:nvGrpSpPr>
+        <p:cNvPr id="1" name=""/>
+        <p:cNvGrpSpPr/>
+        <p:nvPr/>
+      </p:nvGrpSpPr>
+      <p:grpSpPr>
+        <a:xfrm>
+          <a:off x="0" y="0"/>
+          <a:ext cx="0" cy="0"/>
+          <a:chOff x="0" y="0"/>
+          <a:chExt cx="0" cy="0"/>
+        </a:xfrm>
+      </p:grpSpPr>
+      <p:sp>
+        <p:nvSpPr>
+          <p:cNvPr id="5" name="4 CuadroTexto"/>
+          <p:cNvSpPr txBox="1"/>
+          <p:nvPr/>
+        </p:nvSpPr>
+        <p:spPr>
+          <a:xfrm>
+            <a:off x="304800" y="228600"/>
+            <a:ext cx="8610600" cy="707886"/>
+          </a:xfrm>
+          <a:prstGeom prst="rect">
+            <a:avLst/>
+          </a:prstGeom>
+          <a:noFill/>
+        </p:spPr>
+        <p:txBody>
+          <a:bodyPr wrap="square" rtlCol="0">
+            <a:spAutoFit/>
+          </a:bodyPr>
+          <a:lstStyle/>
+          <a:p>
+            <a:r>
+              <a:rPr lang="en-US" sz="4000" dirty="0" err="1" smtClean="0"/>
+              <a:t>Filtrar</a:t>
+            </a:r>
+            <a:r>
+              <a:rPr lang="en-US" sz="4000" dirty="0" smtClean="0"/>
+              <a:t> </a:t>
+            </a:r>
+            <a:r>
+              <a:rPr lang="en-US" sz="4000" dirty="0" err="1" smtClean="0"/>
+              <a:t>por</a:t>
+            </a:r>
+            <a:r>
+              <a:rPr lang="en-US" sz="4000" dirty="0" smtClean="0"/>
+              <a:t> </a:t>
+            </a:r>
+            <a:r>
+              <a:rPr lang="en-US" sz="4000" dirty="0" err="1" smtClean="0"/>
+              <a:t>nuevas</a:t>
+            </a:r>
+            <a:r>
+              <a:rPr lang="en-US" sz="4000" dirty="0" smtClean="0"/>
+              <a:t> </a:t>
+            </a:r>
+            <a:r>
+              <a:rPr lang="en-US" sz="4000" dirty="0" err="1" smtClean="0"/>
+              <a:t>Columnas</a:t>
+            </a:r>
+            <a:endParaRPr lang="es-ES" sz="4000" dirty="0"/>
+          </a:p>
+        </p:txBody>
+      </p:sp>
+      <p:pic>
+        <p:nvPicPr>
+          <p:cNvPr id="3074" name="Picture 2"/>
+          <p:cNvPicPr>
+            <a:picLocks noChangeAspect="1" noChangeArrowheads="1"/>
+          </p:cNvPicPr>
+          <p:nvPr/>
+        </p:nvPicPr>
+        <p:blipFill>
+          <a:blip r:embed="rId2">
+            <a:extLst>
+              <a:ext uri="{28A0092B-C50C-407E-A947-70E740481C1C}">
+                <a14:useLocalDpi xmlns:a14="http://schemas.microsoft.com/office/drawing/2010/main" val="0"/>
+              </a:ext>
+            </a:extLst>
+          </a:blip>
+          <a:srcRect/>
+          <a:stretch>
+            <a:fillRect/>
+          </a:stretch>
+        </p:blipFill>
+        <p:spPr bwMode="auto">
+          <a:xfrm>
+            <a:off x="1600200" y="1930732"/>
+            <a:ext cx="4648200" cy="781050"/>
+          </a:xfrm>
+          <a:prstGeom prst="rect">
+            <a:avLst/>
+          </a:prstGeom>
+          <a:noFill/>
+          <a:ln>
+            <a:noFill/>
+          </a:ln>
+          <a:effectLst/>
+          <a:extLst>
+            <a:ext uri="{909E8E84-426E-40DD-AFC4-6F175D3DCCD1}">
+              <a14:hiddenFill xmlns:a14="http://schemas.microsoft.com/office/drawing/2010/main">
+                <a:solidFill>
+                  <a:schemeClr val="accent1"/>
+                </a:solidFill>
+              </a14:hiddenFill>
+            </a:ext>
+            <a:ext uri="{91240B29-F687-4F45-9708-019B960494DF}">
+              <a14:hiddenLine xmlns:a14="http://schemas.microsoft.com/office/drawing/2010/main" w="9525">
+                <a:solidFill>
+                  <a:schemeClr val="tx1"/>
+                </a:solidFill>
+                <a:miter lim="800000"/>
+                <a:headEnd/>
+                <a:tailEnd/>
+              </a14:hiddenLine>
+            </a:ext>
+            <a:ext uri="{AF507438-7753-43E0-B8FC-AC1667EBCBE1}">
+              <a14:hiddenEffects xmlns:a14="http://schemas.microsoft.com/office/drawing/2010/main">
+                <a:effectLst>
+                  <a:outerShdw dist="35921" dir="2700000" algn="ctr" rotWithShape="0">
+                    <a:schemeClr val="bg2"/>
+                  </a:outerShdw>
+                </a:effectLst>
+              </a14:hiddenEffects>
+            </a:ext>
+          </a:extLst>
+        </p:spPr>
+      </p:pic>
+      <p:sp>
+        <p:nvSpPr>
+          <p:cNvPr id="6" name="5 CuadroTexto"/>
+          <p:cNvSpPr txBox="1"/>
+          <p:nvPr/>
+        </p:nvSpPr>
+        <p:spPr>
+          <a:xfrm>
+            <a:off x="304800" y="1066800"/>
+            <a:ext cx="8229600" cy="369332"/>
+          </a:xfrm>
+          <a:prstGeom prst="rect">
+            <a:avLst/>
+          </a:prstGeom>
+          <a:noFill/>
+        </p:spPr>
+        <p:txBody>
+          <a:bodyPr wrap="square" rtlCol="0">
+            <a:spAutoFit/>
+          </a:bodyPr>
+          <a:lstStyle/>
+          <a:p>
+            <a:r>
+              <a:rPr lang="en-US" dirty="0" smtClean="0"/>
+              <a:t>Si </a:t>
+            </a:r>
+            <a:r>
+              <a:rPr lang="en-US" dirty="0" err="1" smtClean="0"/>
+              <a:t>tengo</a:t>
+            </a:r>
+            <a:r>
+              <a:rPr lang="en-US" dirty="0" smtClean="0"/>
+              <a:t> </a:t>
+            </a:r>
+            <a:r>
+              <a:rPr lang="en-US" dirty="0" err="1" smtClean="0"/>
+              <a:t>este</a:t>
+            </a:r>
+            <a:r>
+              <a:rPr lang="en-US" dirty="0" smtClean="0"/>
+              <a:t> </a:t>
+            </a:r>
+            <a:r>
+              <a:rPr lang="en-US" dirty="0" err="1" smtClean="0"/>
+              <a:t>filtro</a:t>
+            </a:r>
+            <a:r>
+              <a:rPr lang="en-US" dirty="0" smtClean="0"/>
+              <a:t>, </a:t>
+            </a:r>
+            <a:r>
+              <a:rPr lang="en-US" dirty="0" err="1" smtClean="0"/>
+              <a:t>donde</a:t>
+            </a:r>
+            <a:r>
+              <a:rPr lang="en-US" dirty="0" smtClean="0"/>
+              <a:t> los </a:t>
+            </a:r>
+            <a:r>
+              <a:rPr lang="en-US" dirty="0" err="1" smtClean="0"/>
+              <a:t>datos</a:t>
+            </a:r>
+            <a:r>
+              <a:rPr lang="en-US" dirty="0" smtClean="0"/>
+              <a:t> </a:t>
+            </a:r>
+            <a:r>
+              <a:rPr lang="en-US" dirty="0" err="1" smtClean="0"/>
+              <a:t>han</a:t>
+            </a:r>
+            <a:r>
+              <a:rPr lang="en-US" dirty="0" smtClean="0"/>
+              <a:t> </a:t>
+            </a:r>
+            <a:r>
+              <a:rPr lang="en-US" dirty="0" err="1" smtClean="0"/>
+              <a:t>sido</a:t>
+            </a:r>
+            <a:r>
+              <a:rPr lang="en-US" dirty="0" smtClean="0"/>
+              <a:t> </a:t>
+            </a:r>
+            <a:r>
+              <a:rPr lang="en-US" dirty="0" err="1" smtClean="0"/>
+              <a:t>filtrados</a:t>
+            </a:r>
+            <a:r>
+              <a:rPr lang="en-US" dirty="0" smtClean="0"/>
+              <a:t> </a:t>
+            </a:r>
+            <a:r>
+              <a:rPr lang="en-US" dirty="0" err="1" smtClean="0"/>
+              <a:t>por</a:t>
+            </a:r>
+            <a:r>
+              <a:rPr lang="en-US" dirty="0" smtClean="0"/>
+              <a:t> el </a:t>
+            </a:r>
+            <a:r>
+              <a:rPr lang="en-US" dirty="0" err="1" smtClean="0"/>
+              <a:t>vendedor</a:t>
+            </a:r>
+            <a:r>
+              <a:rPr lang="en-US" dirty="0" smtClean="0"/>
+              <a:t> Luis</a:t>
+            </a:r>
+            <a:endParaRPr lang="es-ES" dirty="0"/>
+          </a:p>
+        </p:txBody>
+      </p:sp>
+      <p:sp>
+        <p:nvSpPr>
+          <p:cNvPr id="8" name="7 CuadroTexto"/>
+          <p:cNvSpPr txBox="1"/>
+          <p:nvPr/>
+        </p:nvSpPr>
+        <p:spPr>
+          <a:xfrm>
+            <a:off x="495300" y="3352800"/>
+            <a:ext cx="8229600" cy="923330"/>
+          </a:xfrm>
+          <a:prstGeom prst="rect">
+            <a:avLst/>
+          </a:prstGeom>
+          <a:noFill/>
+        </p:spPr>
+        <p:txBody>
+          <a:bodyPr wrap="square" rtlCol="0">
+            <a:spAutoFit/>
+          </a:bodyPr>
+          <a:lstStyle/>
+          <a:p>
+            <a:r>
+              <a:rPr lang="en-US" dirty="0" err="1" smtClean="0"/>
+              <a:t>Pero</a:t>
+            </a:r>
+            <a:r>
+              <a:rPr lang="en-US" dirty="0" smtClean="0"/>
+              <a:t> </a:t>
+            </a:r>
+            <a:r>
+              <a:rPr lang="en-US" dirty="0" err="1" smtClean="0"/>
+              <a:t>ademas</a:t>
+            </a:r>
+            <a:r>
+              <a:rPr lang="en-US" dirty="0" smtClean="0"/>
+              <a:t>, </a:t>
+            </a:r>
+            <a:r>
+              <a:rPr lang="en-US" dirty="0" err="1" smtClean="0"/>
+              <a:t>necesitamos</a:t>
+            </a:r>
+            <a:r>
+              <a:rPr lang="en-US" dirty="0" smtClean="0"/>
+              <a:t> </a:t>
+            </a:r>
+            <a:r>
+              <a:rPr lang="en-US" dirty="0" err="1" smtClean="0"/>
+              <a:t>filtrarlos</a:t>
+            </a:r>
+            <a:r>
+              <a:rPr lang="en-US" dirty="0" smtClean="0"/>
+              <a:t>, </a:t>
+            </a:r>
+            <a:r>
+              <a:rPr lang="en-US" dirty="0" err="1" smtClean="0"/>
+              <a:t>por</a:t>
+            </a:r>
+            <a:r>
+              <a:rPr lang="en-US" dirty="0" smtClean="0"/>
+              <a:t> un </a:t>
+            </a:r>
+            <a:r>
+              <a:rPr lang="en-US" dirty="0" err="1" smtClean="0"/>
+              <a:t>nuevo</a:t>
+            </a:r>
+            <a:r>
+              <a:rPr lang="en-US" dirty="0"/>
+              <a:t> </a:t>
+            </a:r>
+            <a:r>
+              <a:rPr lang="en-US" dirty="0" err="1" smtClean="0"/>
+              <a:t>filtro</a:t>
+            </a:r>
+            <a:r>
+              <a:rPr lang="en-US" dirty="0" smtClean="0"/>
+              <a:t>, en </a:t>
+            </a:r>
+            <a:r>
+              <a:rPr lang="en-US" dirty="0" err="1" smtClean="0"/>
+              <a:t>este</a:t>
+            </a:r>
+            <a:r>
+              <a:rPr lang="en-US" dirty="0" smtClean="0"/>
+              <a:t> </a:t>
+            </a:r>
+            <a:r>
+              <a:rPr lang="en-US" dirty="0" err="1" smtClean="0"/>
+              <a:t>caso</a:t>
+            </a:r>
+            <a:r>
+              <a:rPr lang="en-US" dirty="0" smtClean="0"/>
+              <a:t>, </a:t>
+            </a:r>
+            <a:r>
+              <a:rPr lang="en-US" dirty="0" err="1" smtClean="0"/>
+              <a:t>sucursal</a:t>
+            </a:r>
+            <a:r>
+              <a:rPr lang="en-US" dirty="0" smtClean="0"/>
+              <a:t>, </a:t>
+            </a:r>
+            <a:r>
+              <a:rPr lang="en-US" dirty="0" err="1" smtClean="0"/>
+              <a:t>entonces</a:t>
+            </a:r>
+            <a:r>
+              <a:rPr lang="en-US" dirty="0" smtClean="0"/>
+              <a:t>, </a:t>
+            </a:r>
+            <a:r>
+              <a:rPr lang="en-US" dirty="0" err="1" smtClean="0"/>
+              <a:t>debemos</a:t>
+            </a:r>
+            <a:r>
+              <a:rPr lang="en-US" dirty="0" smtClean="0"/>
+              <a:t> </a:t>
+            </a:r>
+            <a:r>
+              <a:rPr lang="en-US" dirty="0" err="1" smtClean="0"/>
+              <a:t>escoger</a:t>
+            </a:r>
+            <a:r>
+              <a:rPr lang="en-US" dirty="0" smtClean="0"/>
+              <a:t>, el </a:t>
+            </a:r>
+            <a:r>
+              <a:rPr lang="en-US" dirty="0" err="1" smtClean="0"/>
+              <a:t>filtro</a:t>
+            </a:r>
+            <a:r>
+              <a:rPr lang="en-US" dirty="0" smtClean="0"/>
+              <a:t> </a:t>
+            </a:r>
+            <a:r>
+              <a:rPr lang="en-US" dirty="0" err="1" smtClean="0"/>
+              <a:t>sucursal</a:t>
+            </a:r>
+            <a:r>
+              <a:rPr lang="en-US" dirty="0" smtClean="0"/>
+              <a:t>, y </a:t>
+            </a:r>
+            <a:r>
+              <a:rPr lang="en-US" dirty="0" err="1" smtClean="0"/>
+              <a:t>filtramos</a:t>
+            </a:r>
+            <a:r>
+              <a:rPr lang="en-US" dirty="0" smtClean="0"/>
+              <a:t> </a:t>
+            </a:r>
+            <a:r>
+              <a:rPr lang="en-US" dirty="0" err="1" smtClean="0"/>
+              <a:t>por</a:t>
+            </a:r>
+            <a:r>
+              <a:rPr lang="en-US" dirty="0" smtClean="0"/>
+              <a:t> </a:t>
+            </a:r>
+            <a:r>
+              <a:rPr lang="en-US" dirty="0" err="1" smtClean="0"/>
+              <a:t>norte</a:t>
+            </a:r>
+            <a:r>
+              <a:rPr lang="en-US" dirty="0" smtClean="0"/>
+              <a:t>, </a:t>
+            </a:r>
+            <a:r>
+              <a:rPr lang="en-US" dirty="0" err="1" smtClean="0"/>
+              <a:t>quedando</a:t>
+            </a:r>
+            <a:r>
+              <a:rPr lang="en-US" dirty="0" smtClean="0"/>
+              <a:t> </a:t>
+            </a:r>
+            <a:r>
+              <a:rPr lang="en-US" dirty="0" err="1" smtClean="0"/>
+              <a:t>asi</a:t>
+            </a:r>
+            <a:r>
+              <a:rPr lang="en-US" dirty="0" smtClean="0"/>
+              <a:t>:</a:t>
+            </a:r>
+            <a:endParaRPr lang="es-ES" dirty="0"/>
+          </a:p>
+        </p:txBody>
+      </p:sp>
+      <p:pic>
+        <p:nvPicPr>
+          <p:cNvPr id="3075" name="Picture 3"/>
+          <p:cNvPicPr>
+            <a:picLocks noChangeAspect="1" noChangeArrowheads="1"/>
+          </p:cNvPicPr>
+          <p:nvPr/>
+        </p:nvPicPr>
+        <p:blipFill>
+          <a:blip r:embed="rId3">
+            <a:extLst>
+              <a:ext uri="{28A0092B-C50C-407E-A947-70E740481C1C}">
+                <a14:useLocalDpi xmlns:a14="http://schemas.microsoft.com/office/drawing/2010/main" val="0"/>
+              </a:ext>
+            </a:extLst>
+          </a:blip>
+          <a:srcRect/>
+          <a:stretch>
+            <a:fillRect/>
+          </a:stretch>
+        </p:blipFill>
+        <p:spPr bwMode="auto">
+          <a:xfrm>
+            <a:off x="1735682" y="4648200"/>
+            <a:ext cx="4512718" cy="1066800"/>
+          </a:xfrm>
+          <a:prstGeom prst="rect">
+            <a:avLst/>
+          </a:prstGeom>
+          <a:noFill/>
+          <a:ln>
+            <a:noFill/>
+          </a:ln>
+          <a:effectLst/>
+          <a:extLst>
+            <a:ext uri="{909E8E84-426E-40DD-AFC4-6F175D3DCCD1}">
+              <a14:hiddenFill xmlns:a14="http://schemas.microsoft.com/office/drawing/2010/main">
+                <a:solidFill>
+                  <a:schemeClr val="accent1"/>
+                </a:solidFill>
+              </a14:hiddenFill>
+            </a:ext>
+            <a:ext uri="{91240B29-F687-4F45-9708-019B960494DF}">
+              <a14:hiddenLine xmlns:a14="http://schemas.microsoft.com/office/drawing/2010/main" w="9525">
+                <a:solidFill>
+                  <a:schemeClr val="tx1"/>
+                </a:solidFill>
+                <a:miter lim="800000"/>
+                <a:headEnd/>
+                <a:tailEnd/>
+              </a14:hiddenLine>
+            </a:ext>
+            <a:ext uri="{AF507438-7753-43E0-B8FC-AC1667EBCBE1}">
+              <a14:hiddenEffects xmlns:a14="http://schemas.microsoft.com/office/drawing/2010/main">
+                <a:effectLst>
+                  <a:outerShdw dist="35921" dir="2700000" algn="ctr" rotWithShape="0">
+                    <a:schemeClr val="bg2"/>
+                  </a:outerShdw>
+                </a:effectLst>
+              </a14:hiddenEffects>
+            </a:ext>
+          </a:extLst>
+        </p:spPr>
+      </p:pic>
+    </p:spTree>
+    <p:extLst>
+      <p:ext uri="{BB962C8B-B14F-4D97-AF65-F5344CB8AC3E}">
+        <p14:creationId xmlns:p14="http://schemas.microsoft.com/office/powerpoint/2010/main" val="360656231"/>
+      </p:ext>
+    </p:extLst>
+  </p:cSld>
+  <p:clrMapOvr>
+    <a:masterClrMapping/>
+  </p:clrMapOvr>
+  <p:timing>
+    <p:tnLst>
+      <p:par>
+        <p:cTn id="1" dur="indefinite" restart="never" nodeType="tmRoot"/>
+      </p:par>
+    </p:tnLst>
+  </p:timing>
+</p:sld>
+</file>
+
+<file path=ppt/slides/slide6.xml><?xml version="1.0" encoding="utf-8"?>
+<p:sld xmlns:a="http://schemas.openxmlformats.org/drawingml/2006/main" xmlns:r="http://schemas.openxmlformats.org/officeDocument/2006/relationships" xmlns:p="http://schemas.openxmlformats.org/presentationml/2006/main">
+  <p:cSld>
+    <p:spTree>
+      <p:nvGrpSpPr>
+        <p:cNvPr id="1" name=""/>
+        <p:cNvGrpSpPr/>
+        <p:nvPr/>
+      </p:nvGrpSpPr>
+      <p:grpSpPr>
+        <a:xfrm>
+          <a:off x="0" y="0"/>
+          <a:ext cx="0" cy="0"/>
+          <a:chOff x="0" y="0"/>
+          <a:chExt cx="0" cy="0"/>
+        </a:xfrm>
+      </p:grpSpPr>
+      <p:sp>
+        <p:nvSpPr>
+          <p:cNvPr id="2" name="1 CuadroTexto"/>
+          <p:cNvSpPr txBox="1"/>
+          <p:nvPr/>
+        </p:nvSpPr>
+        <p:spPr>
+          <a:xfrm>
+            <a:off x="304800" y="228600"/>
+            <a:ext cx="8610600" cy="707886"/>
+          </a:xfrm>
+          <a:prstGeom prst="rect">
+            <a:avLst/>
+          </a:prstGeom>
+          <a:noFill/>
+        </p:spPr>
+        <p:txBody>
+          <a:bodyPr wrap="square" rtlCol="0">
+            <a:spAutoFit/>
+          </a:bodyPr>
+          <a:lstStyle/>
+          <a:p>
+            <a:r>
+              <a:rPr lang="en-US" sz="4000" dirty="0" err="1" smtClean="0"/>
+              <a:t>Quitar</a:t>
+            </a:r>
+            <a:r>
+              <a:rPr lang="en-US" sz="4000" dirty="0" smtClean="0"/>
+              <a:t> un </a:t>
+            </a:r>
+            <a:r>
+              <a:rPr lang="en-US" sz="4000" dirty="0" err="1" smtClean="0"/>
+              <a:t>filtro</a:t>
+            </a:r>
+            <a:r>
+              <a:rPr lang="en-US" sz="4000" dirty="0" smtClean="0"/>
+              <a:t> en Excel</a:t>
+            </a:r>
+            <a:endParaRPr lang="es-ES" sz="4000" dirty="0"/>
+          </a:p>
+        </p:txBody>
+      </p:sp>
+      <p:pic>
+        <p:nvPicPr>
+          <p:cNvPr id="3" name="2 Imagen"/>
+          <p:cNvPicPr>
+            <a:picLocks noChangeAspect="1"/>
+          </p:cNvPicPr>
+          <p:nvPr/>
+        </p:nvPicPr>
+        <p:blipFill>
+          <a:blip r:embed="rId2">
+            <a:extLst>
+              <a:ext uri="{28A0092B-C50C-407E-A947-70E740481C1C}">
+                <a14:useLocalDpi xmlns:a14="http://schemas.microsoft.com/office/drawing/2010/main" val="0"/>
+              </a:ext>
+            </a:extLst>
+          </a:blip>
+          <a:stretch>
+            <a:fillRect/>
+          </a:stretch>
+        </p:blipFill>
+        <p:spPr>
+          <a:xfrm>
+            <a:off x="2667000" y="1371600"/>
+            <a:ext cx="3505200" cy="4210050"/>
+          </a:xfrm>
+          <a:prstGeom prst="rect">
+            <a:avLst/>
+          </a:prstGeom>
+        </p:spPr>
+      </p:pic>
+    </p:spTree>
+    <p:extLst>
+      <p:ext uri="{BB962C8B-B14F-4D97-AF65-F5344CB8AC3E}">
+        <p14:creationId xmlns:p14="http://schemas.microsoft.com/office/powerpoint/2010/main" val="2816307058"/>
+      </p:ext>
+    </p:extLst>
+  </p:cSld>
+  <p:clrMapOvr>
+    <a:masterClrMapping/>
+  </p:clrMapOvr>
+  <p:timing>
+    <p:tnLst>
+      <p:par>
+        <p:cTn id="1" dur="indefinite" restart="never" nodeType="tmRoot"/>
+      </p:par>
+    </p:tnLst>
+  </p:timing>
+</p:sld>
+</file>
+
+<file path=ppt/slides/slide7.xml><?xml version="1.0" encoding="utf-8"?>
+<p:sld xmlns:a="http://schemas.openxmlformats.org/drawingml/2006/main" xmlns:r="http://schemas.openxmlformats.org/officeDocument/2006/relationships" xmlns:p="http://schemas.openxmlformats.org/presentationml/2006/main">
+  <p:cSld>
+    <p:spTree>
+      <p:nvGrpSpPr>
+        <p:cNvPr id="1" name=""/>
+        <p:cNvGrpSpPr/>
+        <p:nvPr/>
+      </p:nvGrpSpPr>
+      <p:grpSpPr>
+        <a:xfrm>
+          <a:off x="0" y="0"/>
+          <a:ext cx="0" cy="0"/>
+          <a:chOff x="0" y="0"/>
+          <a:chExt cx="0" cy="0"/>
+        </a:xfrm>
+      </p:grpSpPr>
+      <p:sp>
+        <p:nvSpPr>
+          <p:cNvPr id="2" name="1 CuadroTexto"/>
+          <p:cNvSpPr txBox="1"/>
+          <p:nvPr/>
+        </p:nvSpPr>
+        <p:spPr>
+          <a:xfrm>
+            <a:off x="304800" y="228600"/>
+            <a:ext cx="8610600" cy="707886"/>
+          </a:xfrm>
+          <a:prstGeom prst="rect">
+            <a:avLst/>
+          </a:prstGeom>
+          <a:noFill/>
+        </p:spPr>
+        <p:txBody>
+          <a:bodyPr wrap="square" rtlCol="0">
+            <a:spAutoFit/>
+          </a:bodyPr>
+          <a:lstStyle/>
+          <a:p>
+            <a:r>
+              <a:rPr lang="es-ES" sz="4000" dirty="0"/>
+              <a:t>Filtrar en Excel buscando valores</a:t>
+            </a:r>
+          </a:p>
+        </p:txBody>
+      </p:sp>
+      <p:pic>
+        <p:nvPicPr>
+          <p:cNvPr id="4098" name="Picture 2"/>
+          <p:cNvPicPr>
+            <a:picLocks noChangeAspect="1" noChangeArrowheads="1"/>
+          </p:cNvPicPr>
+          <p:nvPr/>
+        </p:nvPicPr>
+        <p:blipFill>
+          <a:blip r:embed="rId2">
+            <a:extLst>
+              <a:ext uri="{28A0092B-C50C-407E-A947-70E740481C1C}">
+                <a14:useLocalDpi xmlns:a14="http://schemas.microsoft.com/office/drawing/2010/main" val="0"/>
+              </a:ext>
+            </a:extLst>
+          </a:blip>
+          <a:srcRect/>
+          <a:stretch>
+            <a:fillRect/>
+          </a:stretch>
+        </p:blipFill>
+        <p:spPr bwMode="auto">
+          <a:xfrm>
+            <a:off x="458764" y="1219200"/>
+            <a:ext cx="8228036" cy="5105400"/>
+          </a:xfrm>
+          <a:prstGeom prst="rect">
+            <a:avLst/>
+          </a:prstGeom>
+          <a:noFill/>
+          <a:ln>
+            <a:noFill/>
+          </a:ln>
+          <a:effectLst/>
+          <a:extLst>
+            <a:ext uri="{909E8E84-426E-40DD-AFC4-6F175D3DCCD1}">
+              <a14:hiddenFill xmlns:a14="http://schemas.microsoft.com/office/drawing/2010/main">
+                <a:solidFill>
+                  <a:schemeClr val="accent1"/>
+                </a:solidFill>
+              </a14:hiddenFill>
+            </a:ext>
+            <a:ext uri="{91240B29-F687-4F45-9708-019B960494DF}">
+              <a14:hiddenLine xmlns:a14="http://schemas.microsoft.com/office/drawing/2010/main" w="9525">
+                <a:solidFill>
+                  <a:schemeClr val="tx1"/>
+                </a:solidFill>
+                <a:miter lim="800000"/>
+                <a:headEnd/>
+                <a:tailEnd/>
+              </a14:hiddenLine>
+            </a:ext>
+            <a:ext uri="{AF507438-7753-43E0-B8FC-AC1667EBCBE1}">
+              <a14:hiddenEffects xmlns:a14="http://schemas.microsoft.com/office/drawing/2010/main">
+                <a:effectLst>
+                  <a:outerShdw dist="35921" dir="2700000" algn="ctr" rotWithShape="0">
+                    <a:schemeClr val="bg2"/>
+                  </a:outerShdw>
+                </a:effectLst>
+              </a14:hiddenEffects>
+            </a:ext>
+          </a:extLst>
+        </p:spPr>
+      </p:pic>
+    </p:spTree>
+    <p:extLst>
+      <p:ext uri="{BB962C8B-B14F-4D97-AF65-F5344CB8AC3E}">
+        <p14:creationId xmlns:p14="http://schemas.microsoft.com/office/powerpoint/2010/main" val="1617387853"/>
+      </p:ext>
+    </p:extLst>
+  </p:cSld>
+  <p:clrMapOvr>
+    <a:masterClrMapping/>
+  </p:clrMapOvr>
+  <p:timing>
+    <p:tnLst>
+      <p:par>
+        <p:cTn id="1" dur="indefinite" restart="never" nodeType="tmRoot"/>
+      </p:par>
+    </p:tnLst>
+  </p:timing>
+</p:sld>
+</file>
+
+<file path=ppt/slides/slide8.xml><?xml version="1.0" encoding="utf-8"?>
+<p:sld xmlns:a="http://schemas.openxmlformats.org/drawingml/2006/main" xmlns:r="http://schemas.openxmlformats.org/officeDocument/2006/relationships" xmlns:p="http://schemas.openxmlformats.org/presentationml/2006/main">
+  <p:cSld>
+    <p:spTree>
+      <p:nvGrpSpPr>
+        <p:cNvPr id="1" name=""/>
+        <p:cNvGrpSpPr/>
+        <p:nvPr/>
+      </p:nvGrpSpPr>
+      <p:grpSpPr>
+        <a:xfrm>
+          <a:off x="0" y="0"/>
+          <a:ext cx="0" cy="0"/>
+          <a:chOff x="0" y="0"/>
+          <a:chExt cx="0" cy="0"/>
+        </a:xfrm>
+      </p:grpSpPr>
+      <p:sp>
+        <p:nvSpPr>
+          <p:cNvPr id="2" name="1 CuadroTexto"/>
+          <p:cNvSpPr txBox="1"/>
+          <p:nvPr/>
+        </p:nvSpPr>
+        <p:spPr>
+          <a:xfrm>
+            <a:off x="304800" y="228600"/>
+            <a:ext cx="8610600" cy="707886"/>
+          </a:xfrm>
+          <a:prstGeom prst="rect">
+            <a:avLst/>
+          </a:prstGeom>
+          <a:noFill/>
+        </p:spPr>
+        <p:txBody>
+          <a:bodyPr wrap="square" rtlCol="0">
+            <a:spAutoFit/>
+          </a:bodyPr>
+          <a:lstStyle/>
+          <a:p>
+            <a:r>
+              <a:rPr lang="es-ES" sz="4000" dirty="0"/>
+              <a:t>Filtros de texto en Excel</a:t>
+            </a:r>
+          </a:p>
+        </p:txBody>
+      </p:sp>
+      <p:pic>
+        <p:nvPicPr>
+          <p:cNvPr id="5122" name="Picture 2"/>
+          <p:cNvPicPr>
+            <a:picLocks noChangeAspect="1" noChangeArrowheads="1"/>
+          </p:cNvPicPr>
+          <p:nvPr/>
+        </p:nvPicPr>
+        <p:blipFill>
+          <a:blip r:embed="rId2">
+            <a:extLst>
+              <a:ext uri="{28A0092B-C50C-407E-A947-70E740481C1C}">
+                <a14:useLocalDpi xmlns:a14="http://schemas.microsoft.com/office/drawing/2010/main" val="0"/>
+              </a:ext>
+            </a:extLst>
+          </a:blip>
+          <a:srcRect/>
+          <a:stretch>
+            <a:fillRect/>
+          </a:stretch>
+        </p:blipFill>
+        <p:spPr bwMode="auto">
+          <a:xfrm>
+            <a:off x="914400" y="1143000"/>
+            <a:ext cx="7162800" cy="4876800"/>
+          </a:xfrm>
+          <a:prstGeom prst="rect">
+            <a:avLst/>
+          </a:prstGeom>
+          <a:noFill/>
+          <a:ln>
+            <a:noFill/>
+          </a:ln>
+          <a:effectLst/>
+          <a:extLst>
+            <a:ext uri="{909E8E84-426E-40DD-AFC4-6F175D3DCCD1}">
+              <a14:hiddenFill xmlns:a14="http://schemas.microsoft.com/office/drawing/2010/main">
+                <a:solidFill>
+                  <a:schemeClr val="accent1"/>
+                </a:solidFill>
+              </a14:hiddenFill>
+            </a:ext>
+            <a:ext uri="{91240B29-F687-4F45-9708-019B960494DF}">
+              <a14:hiddenLine xmlns:a14="http://schemas.microsoft.com/office/drawing/2010/main" w="9525">
+                <a:solidFill>
+                  <a:schemeClr val="tx1"/>
+                </a:solidFill>
+                <a:miter lim="800000"/>
+                <a:headEnd/>
+                <a:tailEnd/>
+              </a14:hiddenLine>
+            </a:ext>
+            <a:ext uri="{AF507438-7753-43E0-B8FC-AC1667EBCBE1}">
+              <a14:hiddenEffects xmlns:a14="http://schemas.microsoft.com/office/drawing/2010/main">
+                <a:effectLst>
+                  <a:outerShdw dist="35921" dir="2700000" algn="ctr" rotWithShape="0">
+                    <a:schemeClr val="bg2"/>
+                  </a:outerShdw>
+                </a:effectLst>
+              </a14:hiddenEffects>
+            </a:ext>
+          </a:extLst>
+        </p:spPr>
+      </p:pic>
+    </p:spTree>
+    <p:extLst>
+      <p:ext uri="{BB962C8B-B14F-4D97-AF65-F5344CB8AC3E}">
+        <p14:creationId xmlns:p14="http://schemas.microsoft.com/office/powerpoint/2010/main" val="1784100151"/>
+      </p:ext>
+    </p:extLst>
+  </p:cSld>
+  <p:clrMapOvr>
+    <a:masterClrMapping/>
+  </p:clrMapOvr>
+  <p:timing>
+    <p:tnLst>
+      <p:par>
+        <p:cTn id="1" dur="indefinite" restart="never" nodeType="tmRoot"/>
+      </p:par>
+    </p:tnLst>
+  </p:timing>
+</p:sld>
+</file>
+
+<file path=ppt/slides/slide9.xml><?xml version="1.0" encoding="utf-8"?>
+<p:sld xmlns:a="http://schemas.openxmlformats.org/drawingml/2006/main" xmlns:r="http://schemas.openxmlformats.org/officeDocument/2006/relationships" xmlns:p="http://schemas.openxmlformats.org/presentationml/2006/main">
+  <p:cSld>
+    <p:spTree>
+      <p:nvGrpSpPr>
+        <p:cNvPr id="1" name=""/>
+        <p:cNvGrpSpPr/>
+        <p:nvPr/>
+      </p:nvGrpSpPr>
+      <p:grpSpPr>
+        <a:xfrm>
+          <a:off x="0" y="0"/>
+          <a:ext cx="0" cy="0"/>
+          <a:chOff x="0" y="0"/>
+          <a:chExt cx="0" cy="0"/>
+        </a:xfrm>
+      </p:grpSpPr>
+      <p:sp>
+        <p:nvSpPr>
+          <p:cNvPr id="5" name="4 CuadroTexto"/>
+          <p:cNvSpPr txBox="1"/>
+          <p:nvPr/>
+        </p:nvSpPr>
+        <p:spPr>
+          <a:xfrm>
+            <a:off x="304800" y="228600"/>
+            <a:ext cx="8610600" cy="707886"/>
+          </a:xfrm>
+          <a:prstGeom prst="rect">
+            <a:avLst/>
+          </a:prstGeom>
+          <a:noFill/>
+        </p:spPr>
+        <p:txBody>
+          <a:bodyPr wrap="square" rtlCol="0">
+            <a:spAutoFit/>
+          </a:bodyPr>
+          <a:lstStyle/>
+          <a:p>
+            <a:r>
+              <a:rPr lang="es-ES" sz="4000" dirty="0"/>
+              <a:t>Filtros de número en Excel</a:t>
+            </a:r>
+          </a:p>
+        </p:txBody>
+      </p:sp>
+      <p:pic>
+        <p:nvPicPr>
+          <p:cNvPr id="6147" name="Picture 3"/>
+          <p:cNvPicPr>
+            <a:picLocks noChangeAspect="1" noChangeArrowheads="1"/>
+          </p:cNvPicPr>
+          <p:nvPr/>
+        </p:nvPicPr>
+        <p:blipFill>
+          <a:blip r:embed="rId2">
+            <a:extLst>
+              <a:ext uri="{28A0092B-C50C-407E-A947-70E740481C1C}">
+                <a14:useLocalDpi xmlns:a14="http://schemas.microsoft.com/office/drawing/2010/main" val="0"/>
+              </a:ext>
+            </a:extLst>
+          </a:blip>
+          <a:srcRect/>
+          <a:stretch>
+            <a:fillRect/>
+          </a:stretch>
+        </p:blipFill>
+        <p:spPr bwMode="auto">
+          <a:xfrm>
+            <a:off x="685800" y="1143000"/>
+            <a:ext cx="7772400" cy="5257800"/>
+          </a:xfrm>
+          <a:prstGeom prst="rect">
+            <a:avLst/>
+          </a:prstGeom>
+          <a:noFill/>
+          <a:ln>
+            <a:noFill/>
+          </a:ln>
+          <a:effectLst/>
+          <a:extLst>
+            <a:ext uri="{909E8E84-426E-40DD-AFC4-6F175D3DCCD1}">
+              <a14:hiddenFill xmlns:a14="http://schemas.microsoft.com/office/drawing/2010/main">
+                <a:solidFill>
+                  <a:schemeClr val="accent1"/>
+                </a:solidFill>
+              </a14:hiddenFill>
+            </a:ext>
+            <a:ext uri="{91240B29-F687-4F45-9708-019B960494DF}">
+              <a14:hiddenLine xmlns:a14="http://schemas.microsoft.com/office/drawing/2010/main" w="9525">
+                <a:solidFill>
+                  <a:schemeClr val="tx1"/>
+                </a:solidFill>
+                <a:miter lim="800000"/>
+                <a:headEnd/>
+                <a:tailEnd/>
+              </a14:hiddenLine>
+            </a:ext>
+            <a:ext uri="{AF507438-7753-43E0-B8FC-AC1667EBCBE1}">
+              <a14:hiddenEffects xmlns:a14="http://schemas.microsoft.com/office/drawing/2010/main">
+                <a:effectLst>
+                  <a:outerShdw dist="35921" dir="2700000" algn="ctr" rotWithShape="0">
+                    <a:schemeClr val="bg2"/>
+                  </a:outerShdw>
+                </a:effectLst>
+              </a14:hiddenEffects>
+            </a:ext>
+          </a:extLst>
+        </p:spPr>
+      </p:pic>
+    </p:spTree>
+    <p:extLst>
+      <p:ext uri="{BB962C8B-B14F-4D97-AF65-F5344CB8AC3E}">
+        <p14:creationId xmlns:p14="http://schemas.microsoft.com/office/powerpoint/2010/main" val="3269485058"/>
+      </p:ext>
+    </p:extLst>
+  </p:cSld>
+  <p:clrMapOvr>
+    <a:masterClrMapping/>
+  </p:clrMapOvr>
+  <p:timing>
+    <p:tnLst>
+      <p:par>
+        <p:cTn id="1" dur="indefinite" restart="never" nodeType="tmRoot"/>
       </p:par>
     </p:tnLst>
   </p:timing>
@@ -3070,6 +5963,8 @@
       </a:bgFillStyleLst>
     </a:fmtScheme>
   </a:themeElements>
+  <a:objectDefaults/>
+  <a:extraClrSchemeLst/>
 </a:theme>
 </file>
 
@@ -3293,5 +6188,7 @@
       </a:bgFillStyleLst>
     </a:fmtScheme>
   </a:themeElements>
+  <a:objectDefaults/>
+  <a:extraClrSchemeLst/>
 </a:theme>
 </file>